--- a/設計図.pptx
+++ b/設計図.pptx
@@ -6,6 +6,7 @@
   </p:sldMasterIdLst>
   <p:sldIdLst>
     <p:sldId id="256" r:id="rId2"/>
+    <p:sldId id="257" r:id="rId3"/>
   </p:sldIdLst>
   <p:sldSz cx="12192000" cy="6858000"/>
   <p:notesSz cx="6858000" cy="9144000"/>
@@ -104,6 +105,11 @@
       </a:defRPr>
     </a:lvl9pPr>
   </p:defaultTextStyle>
+  <p:extLst>
+    <p:ext uri="{EFAFB233-063F-42B5-8137-9DF3F51BA10A}">
+      <p15:sldGuideLst xmlns:p15="http://schemas.microsoft.com/office/powerpoint/2012/main"/>
+    </p:ext>
+  </p:extLst>
 </p:presentation>
 </file>
 
@@ -254,7 +260,7 @@
           <a:p>
             <a:fld id="{95CF72C5-C129-4942-9F02-AA2082952FB8}" type="datetimeFigureOut">
               <a:rPr kumimoji="1" lang="ja-JP" altLang="en-US" smtClean="0"/>
-              <a:t>2025/7/19</a:t>
+              <a:t>2025/7/25</a:t>
             </a:fld>
             <a:endParaRPr kumimoji="1" lang="ja-JP" altLang="en-US"/>
           </a:p>
@@ -484,7 +490,7 @@
           <a:p>
             <a:fld id="{95CF72C5-C129-4942-9F02-AA2082952FB8}" type="datetimeFigureOut">
               <a:rPr kumimoji="1" lang="ja-JP" altLang="en-US" smtClean="0"/>
-              <a:t>2025/7/19</a:t>
+              <a:t>2025/7/25</a:t>
             </a:fld>
             <a:endParaRPr kumimoji="1" lang="ja-JP" altLang="en-US"/>
           </a:p>
@@ -724,7 +730,7 @@
           <a:p>
             <a:fld id="{95CF72C5-C129-4942-9F02-AA2082952FB8}" type="datetimeFigureOut">
               <a:rPr kumimoji="1" lang="ja-JP" altLang="en-US" smtClean="0"/>
-              <a:t>2025/7/19</a:t>
+              <a:t>2025/7/25</a:t>
             </a:fld>
             <a:endParaRPr kumimoji="1" lang="ja-JP" altLang="en-US"/>
           </a:p>
@@ -954,7 +960,7 @@
           <a:p>
             <a:fld id="{95CF72C5-C129-4942-9F02-AA2082952FB8}" type="datetimeFigureOut">
               <a:rPr kumimoji="1" lang="ja-JP" altLang="en-US" smtClean="0"/>
-              <a:t>2025/7/19</a:t>
+              <a:t>2025/7/25</a:t>
             </a:fld>
             <a:endParaRPr kumimoji="1" lang="ja-JP" altLang="en-US"/>
           </a:p>
@@ -1229,7 +1235,7 @@
           <a:p>
             <a:fld id="{95CF72C5-C129-4942-9F02-AA2082952FB8}" type="datetimeFigureOut">
               <a:rPr kumimoji="1" lang="ja-JP" altLang="en-US" smtClean="0"/>
-              <a:t>2025/7/19</a:t>
+              <a:t>2025/7/25</a:t>
             </a:fld>
             <a:endParaRPr kumimoji="1" lang="ja-JP" altLang="en-US"/>
           </a:p>
@@ -1558,7 +1564,7 @@
           <a:p>
             <a:fld id="{95CF72C5-C129-4942-9F02-AA2082952FB8}" type="datetimeFigureOut">
               <a:rPr kumimoji="1" lang="ja-JP" altLang="en-US" smtClean="0"/>
-              <a:t>2025/7/19</a:t>
+              <a:t>2025/7/25</a:t>
             </a:fld>
             <a:endParaRPr kumimoji="1" lang="ja-JP" altLang="en-US"/>
           </a:p>
@@ -2034,7 +2040,7 @@
           <a:p>
             <a:fld id="{95CF72C5-C129-4942-9F02-AA2082952FB8}" type="datetimeFigureOut">
               <a:rPr kumimoji="1" lang="ja-JP" altLang="en-US" smtClean="0"/>
-              <a:t>2025/7/19</a:t>
+              <a:t>2025/7/25</a:t>
             </a:fld>
             <a:endParaRPr kumimoji="1" lang="ja-JP" altLang="en-US"/>
           </a:p>
@@ -2175,7 +2181,7 @@
           <a:p>
             <a:fld id="{95CF72C5-C129-4942-9F02-AA2082952FB8}" type="datetimeFigureOut">
               <a:rPr kumimoji="1" lang="ja-JP" altLang="en-US" smtClean="0"/>
-              <a:t>2025/7/19</a:t>
+              <a:t>2025/7/25</a:t>
             </a:fld>
             <a:endParaRPr kumimoji="1" lang="ja-JP" altLang="en-US"/>
           </a:p>
@@ -2288,7 +2294,7 @@
           <a:p>
             <a:fld id="{95CF72C5-C129-4942-9F02-AA2082952FB8}" type="datetimeFigureOut">
               <a:rPr kumimoji="1" lang="ja-JP" altLang="en-US" smtClean="0"/>
-              <a:t>2025/7/19</a:t>
+              <a:t>2025/7/25</a:t>
             </a:fld>
             <a:endParaRPr kumimoji="1" lang="ja-JP" altLang="en-US"/>
           </a:p>
@@ -2631,7 +2637,7 @@
           <a:p>
             <a:fld id="{95CF72C5-C129-4942-9F02-AA2082952FB8}" type="datetimeFigureOut">
               <a:rPr kumimoji="1" lang="ja-JP" altLang="en-US" smtClean="0"/>
-              <a:t>2025/7/19</a:t>
+              <a:t>2025/7/25</a:t>
             </a:fld>
             <a:endParaRPr kumimoji="1" lang="ja-JP" altLang="en-US"/>
           </a:p>
@@ -2922,7 +2928,7 @@
           <a:p>
             <a:fld id="{95CF72C5-C129-4942-9F02-AA2082952FB8}" type="datetimeFigureOut">
               <a:rPr kumimoji="1" lang="ja-JP" altLang="en-US" smtClean="0"/>
-              <a:t>2025/7/19</a:t>
+              <a:t>2025/7/25</a:t>
             </a:fld>
             <a:endParaRPr kumimoji="1" lang="ja-JP" altLang="en-US"/>
           </a:p>
@@ -3195,7 +3201,7 @@
           <a:p>
             <a:fld id="{95CF72C5-C129-4942-9F02-AA2082952FB8}" type="datetimeFigureOut">
               <a:rPr kumimoji="1" lang="ja-JP" altLang="en-US" smtClean="0"/>
-              <a:t>2025/7/19</a:t>
+              <a:t>2025/7/25</a:t>
             </a:fld>
             <a:endParaRPr kumimoji="1" lang="ja-JP" altLang="en-US"/>
           </a:p>
@@ -3626,24 +3632,18 @@
         </p:nvSpPr>
         <p:spPr>
           <a:xfrm>
-            <a:off x="1170039" y="796412"/>
+            <a:off x="5850194" y="442448"/>
             <a:ext cx="4817806" cy="3618271"/>
           </a:xfrm>
           <a:prstGeom prst="rect">
             <a:avLst/>
           </a:prstGeom>
           <a:solidFill>
-            <a:schemeClr val="tx2">
-              <a:lumMod val="10000"/>
-              <a:lumOff val="90000"/>
-            </a:schemeClr>
+            <a:schemeClr val="bg1"/>
           </a:solidFill>
-          <a:ln>
+          <a:ln w="19050">
             <a:solidFill>
-              <a:schemeClr val="tx2">
-                <a:lumMod val="10000"/>
-                <a:lumOff val="90000"/>
-              </a:schemeClr>
+              <a:schemeClr val="tx1"/>
             </a:solidFill>
           </a:ln>
         </p:spPr>
@@ -3662,18 +3662,2595 @@
           </a:fontRef>
         </p:style>
         <p:txBody>
+          <a:bodyPr rtlCol="0" anchor="t"/>
+          <a:lstStyle/>
+          <a:p>
+            <a:pPr algn="ctr"/>
+            <a:r>
+              <a:rPr kumimoji="1" lang="ja-JP" altLang="en-US" b="1" dirty="0"/>
+              <a:t>音声認識ソフト</a:t>
+            </a:r>
+          </a:p>
+        </p:txBody>
+      </p:sp>
+      <p:pic>
+        <p:nvPicPr>
+          <p:cNvPr id="3" name="グラフィックス 2" descr="無線マイク 単色塗りつぶし">
+            <a:extLst>
+              <a:ext uri="{FF2B5EF4-FFF2-40B4-BE49-F238E27FC236}">
+                <a16:creationId xmlns:a16="http://schemas.microsoft.com/office/drawing/2014/main" id="{A6C615EA-076D-844B-1228-7D26B01CDAE0}"/>
+              </a:ext>
+            </a:extLst>
+          </p:cNvPr>
+          <p:cNvPicPr>
+            <a:picLocks noChangeAspect="1"/>
+          </p:cNvPicPr>
+          <p:nvPr/>
+        </p:nvPicPr>
+        <p:blipFill>
+          <a:blip r:embed="rId2">
+            <a:extLst>
+              <a:ext uri="{96DAC541-7B7A-43D3-8B79-37D633B846F1}">
+                <asvg:svgBlip xmlns:asvg="http://schemas.microsoft.com/office/drawing/2016/SVG/main" r:embed="rId3"/>
+              </a:ext>
+            </a:extLst>
+          </a:blip>
+          <a:stretch>
+            <a:fillRect/>
+          </a:stretch>
+        </p:blipFill>
+        <p:spPr>
+          <a:xfrm>
+            <a:off x="1641987" y="1838629"/>
+            <a:ext cx="752168" cy="752168"/>
+          </a:xfrm>
+          <a:prstGeom prst="rect">
+            <a:avLst/>
+          </a:prstGeom>
+        </p:spPr>
+      </p:pic>
+      <p:cxnSp>
+        <p:nvCxnSpPr>
+          <p:cNvPr id="6" name="直線矢印コネクタ 5">
+            <a:extLst>
+              <a:ext uri="{FF2B5EF4-FFF2-40B4-BE49-F238E27FC236}">
+                <a16:creationId xmlns:a16="http://schemas.microsoft.com/office/drawing/2014/main" id="{FA10ED8C-8277-7056-785F-58AB272EFE72}"/>
+              </a:ext>
+            </a:extLst>
+          </p:cNvPr>
+          <p:cNvCxnSpPr>
+            <a:cxnSpLocks/>
+            <a:endCxn id="4" idx="1"/>
+          </p:cNvCxnSpPr>
+          <p:nvPr/>
+        </p:nvCxnSpPr>
+        <p:spPr>
+          <a:xfrm>
+            <a:off x="2394155" y="2251583"/>
+            <a:ext cx="3456039" cy="1"/>
+          </a:xfrm>
+          <a:prstGeom prst="straightConnector1">
+            <a:avLst/>
+          </a:prstGeom>
+          <a:ln w="28575">
+            <a:tailEnd type="triangle"/>
+          </a:ln>
+        </p:spPr>
+        <p:style>
+          <a:lnRef idx="2">
+            <a:schemeClr val="dk1"/>
+          </a:lnRef>
+          <a:fillRef idx="0">
+            <a:schemeClr val="dk1"/>
+          </a:fillRef>
+          <a:effectRef idx="1">
+            <a:schemeClr val="dk1"/>
+          </a:effectRef>
+          <a:fontRef idx="minor">
+            <a:schemeClr val="tx1"/>
+          </a:fontRef>
+        </p:style>
+      </p:cxnSp>
+      <p:sp>
+        <p:nvSpPr>
+          <p:cNvPr id="8" name="テキスト ボックス 7">
+            <a:extLst>
+              <a:ext uri="{FF2B5EF4-FFF2-40B4-BE49-F238E27FC236}">
+                <a16:creationId xmlns:a16="http://schemas.microsoft.com/office/drawing/2014/main" id="{93DA35FE-E417-A497-9BD8-E6FEE3B0C398}"/>
+              </a:ext>
+            </a:extLst>
+          </p:cNvPr>
+          <p:cNvSpPr txBox="1"/>
+          <p:nvPr/>
+        </p:nvSpPr>
+        <p:spPr>
+          <a:xfrm>
+            <a:off x="3687097" y="1880104"/>
+            <a:ext cx="646331" cy="369332"/>
+          </a:xfrm>
+          <a:prstGeom prst="rect">
+            <a:avLst/>
+          </a:prstGeom>
+          <a:noFill/>
+        </p:spPr>
+        <p:txBody>
+          <a:bodyPr wrap="none" rtlCol="0">
+            <a:spAutoFit/>
+          </a:bodyPr>
+          <a:lstStyle/>
+          <a:p>
+            <a:r>
+              <a:rPr kumimoji="1" lang="ja-JP" altLang="en-US" b="1" dirty="0"/>
+              <a:t>入力</a:t>
+            </a:r>
+          </a:p>
+        </p:txBody>
+      </p:sp>
+      <p:sp>
+        <p:nvSpPr>
+          <p:cNvPr id="9" name="正方形/長方形 8">
+            <a:extLst>
+              <a:ext uri="{FF2B5EF4-FFF2-40B4-BE49-F238E27FC236}">
+                <a16:creationId xmlns:a16="http://schemas.microsoft.com/office/drawing/2014/main" id="{5C8A1262-5724-8E27-565F-3D6896E4D438}"/>
+              </a:ext>
+            </a:extLst>
+          </p:cNvPr>
+          <p:cNvSpPr/>
+          <p:nvPr/>
+        </p:nvSpPr>
+        <p:spPr>
+          <a:xfrm>
+            <a:off x="1426837" y="5024594"/>
+            <a:ext cx="2443316" cy="579794"/>
+          </a:xfrm>
+          <a:prstGeom prst="rect">
+            <a:avLst/>
+          </a:prstGeom>
+          <a:solidFill>
+            <a:schemeClr val="bg1"/>
+          </a:solidFill>
+          <a:ln w="19050">
+            <a:solidFill>
+              <a:schemeClr val="tx1"/>
+            </a:solidFill>
+          </a:ln>
+        </p:spPr>
+        <p:style>
+          <a:lnRef idx="1">
+            <a:schemeClr val="accent4"/>
+          </a:lnRef>
+          <a:fillRef idx="2">
+            <a:schemeClr val="accent4"/>
+          </a:fillRef>
+          <a:effectRef idx="1">
+            <a:schemeClr val="accent4"/>
+          </a:effectRef>
+          <a:fontRef idx="minor">
+            <a:schemeClr val="dk1"/>
+          </a:fontRef>
+        </p:style>
+        <p:txBody>
           <a:bodyPr rtlCol="0" anchor="ctr"/>
           <a:lstStyle/>
           <a:p>
             <a:pPr algn="ctr"/>
-            <a:endParaRPr kumimoji="1" lang="ja-JP" altLang="en-US"/>
-          </a:p>
-        </p:txBody>
-      </p:sp>
+            <a:r>
+              <a:rPr kumimoji="1" lang="ja-JP" altLang="en-US" b="1" dirty="0"/>
+              <a:t>クライアント</a:t>
+            </a:r>
+          </a:p>
+        </p:txBody>
+      </p:sp>
+      <p:cxnSp>
+        <p:nvCxnSpPr>
+          <p:cNvPr id="12" name="コネクタ: カギ線 11">
+            <a:extLst>
+              <a:ext uri="{FF2B5EF4-FFF2-40B4-BE49-F238E27FC236}">
+                <a16:creationId xmlns:a16="http://schemas.microsoft.com/office/drawing/2014/main" id="{689A56AD-8F3B-42F1-D8B9-1137F92B7BD7}"/>
+              </a:ext>
+            </a:extLst>
+          </p:cNvPr>
+          <p:cNvCxnSpPr>
+            <a:cxnSpLocks/>
+            <a:stCxn id="4" idx="2"/>
+            <a:endCxn id="9" idx="0"/>
+          </p:cNvCxnSpPr>
+          <p:nvPr/>
+        </p:nvCxnSpPr>
+        <p:spPr>
+          <a:xfrm rot="5400000">
+            <a:off x="4971859" y="1737355"/>
+            <a:ext cx="963875" cy="5610602"/>
+          </a:xfrm>
+          <a:prstGeom prst="bentConnector3">
+            <a:avLst/>
+          </a:prstGeom>
+          <a:ln w="28575">
+            <a:tailEnd type="triangle"/>
+          </a:ln>
+        </p:spPr>
+        <p:style>
+          <a:lnRef idx="2">
+            <a:schemeClr val="dk1"/>
+          </a:lnRef>
+          <a:fillRef idx="0">
+            <a:schemeClr val="dk1"/>
+          </a:fillRef>
+          <a:effectRef idx="1">
+            <a:schemeClr val="dk1"/>
+          </a:effectRef>
+          <a:fontRef idx="minor">
+            <a:schemeClr val="tx1"/>
+          </a:fontRef>
+        </p:style>
+      </p:cxnSp>
+      <p:sp>
+        <p:nvSpPr>
+          <p:cNvPr id="14" name="テキスト ボックス 13">
+            <a:extLst>
+              <a:ext uri="{FF2B5EF4-FFF2-40B4-BE49-F238E27FC236}">
+                <a16:creationId xmlns:a16="http://schemas.microsoft.com/office/drawing/2014/main" id="{1929C5B6-D5C2-35E8-6533-466F45A58730}"/>
+              </a:ext>
+            </a:extLst>
+          </p:cNvPr>
+          <p:cNvSpPr txBox="1"/>
+          <p:nvPr/>
+        </p:nvSpPr>
+        <p:spPr>
+          <a:xfrm>
+            <a:off x="4189709" y="4165950"/>
+            <a:ext cx="1906291" cy="369332"/>
+          </a:xfrm>
+          <a:prstGeom prst="rect">
+            <a:avLst/>
+          </a:prstGeom>
+          <a:noFill/>
+        </p:spPr>
+        <p:txBody>
+          <a:bodyPr wrap="none" rtlCol="0">
+            <a:spAutoFit/>
+          </a:bodyPr>
+          <a:lstStyle/>
+          <a:p>
+            <a:r>
+              <a:rPr kumimoji="1" lang="en-US" altLang="ja-JP" b="1" dirty="0"/>
+              <a:t>WebSocket</a:t>
+            </a:r>
+            <a:r>
+              <a:rPr kumimoji="1" lang="ja-JP" altLang="en-US" b="1" dirty="0"/>
+              <a:t>通信</a:t>
+            </a:r>
+          </a:p>
+        </p:txBody>
+      </p:sp>
+      <p:sp>
+        <p:nvSpPr>
+          <p:cNvPr id="15" name="正方形/長方形 14">
+            <a:extLst>
+              <a:ext uri="{FF2B5EF4-FFF2-40B4-BE49-F238E27FC236}">
+                <a16:creationId xmlns:a16="http://schemas.microsoft.com/office/drawing/2014/main" id="{46CF8039-E1FA-0FBA-04EC-39A184E448CB}"/>
+              </a:ext>
+            </a:extLst>
+          </p:cNvPr>
+          <p:cNvSpPr/>
+          <p:nvPr/>
+        </p:nvSpPr>
+        <p:spPr>
+          <a:xfrm>
+            <a:off x="7037439" y="963561"/>
+            <a:ext cx="2443316" cy="388374"/>
+          </a:xfrm>
+          <a:prstGeom prst="rect">
+            <a:avLst/>
+          </a:prstGeom>
+          <a:solidFill>
+            <a:schemeClr val="bg1"/>
+          </a:solidFill>
+          <a:ln w="19050">
+            <a:solidFill>
+              <a:schemeClr val="tx1"/>
+            </a:solidFill>
+          </a:ln>
+        </p:spPr>
+        <p:style>
+          <a:lnRef idx="1">
+            <a:schemeClr val="accent4"/>
+          </a:lnRef>
+          <a:fillRef idx="2">
+            <a:schemeClr val="accent4"/>
+          </a:fillRef>
+          <a:effectRef idx="1">
+            <a:schemeClr val="accent4"/>
+          </a:effectRef>
+          <a:fontRef idx="minor">
+            <a:schemeClr val="dk1"/>
+          </a:fontRef>
+        </p:style>
+        <p:txBody>
+          <a:bodyPr rtlCol="0" anchor="ctr"/>
+          <a:lstStyle/>
+          <a:p>
+            <a:pPr algn="ctr"/>
+            <a:r>
+              <a:rPr kumimoji="1" lang="en-US" altLang="ja-JP" b="1" dirty="0"/>
+              <a:t>WebSpeechAPI(JS)</a:t>
+            </a:r>
+            <a:endParaRPr kumimoji="1" lang="ja-JP" altLang="en-US" b="1" dirty="0"/>
+          </a:p>
+        </p:txBody>
+      </p:sp>
+      <p:sp>
+        <p:nvSpPr>
+          <p:cNvPr id="16" name="正方形/長方形 15">
+            <a:extLst>
+              <a:ext uri="{FF2B5EF4-FFF2-40B4-BE49-F238E27FC236}">
+                <a16:creationId xmlns:a16="http://schemas.microsoft.com/office/drawing/2014/main" id="{21F132E2-4E52-14E6-308B-7DB7FF0AD611}"/>
+              </a:ext>
+            </a:extLst>
+          </p:cNvPr>
+          <p:cNvSpPr/>
+          <p:nvPr/>
+        </p:nvSpPr>
+        <p:spPr>
+          <a:xfrm>
+            <a:off x="7037439" y="1676396"/>
+            <a:ext cx="2443316" cy="388374"/>
+          </a:xfrm>
+          <a:prstGeom prst="rect">
+            <a:avLst/>
+          </a:prstGeom>
+          <a:solidFill>
+            <a:schemeClr val="bg1"/>
+          </a:solidFill>
+          <a:ln w="19050">
+            <a:solidFill>
+              <a:schemeClr val="tx1"/>
+            </a:solidFill>
+          </a:ln>
+        </p:spPr>
+        <p:style>
+          <a:lnRef idx="1">
+            <a:schemeClr val="accent4"/>
+          </a:lnRef>
+          <a:fillRef idx="2">
+            <a:schemeClr val="accent4"/>
+          </a:fillRef>
+          <a:effectRef idx="1">
+            <a:schemeClr val="accent4"/>
+          </a:effectRef>
+          <a:fontRef idx="minor">
+            <a:schemeClr val="dk1"/>
+          </a:fontRef>
+        </p:style>
+        <p:txBody>
+          <a:bodyPr rtlCol="0" anchor="ctr"/>
+          <a:lstStyle/>
+          <a:p>
+            <a:pPr algn="ctr"/>
+            <a:r>
+              <a:rPr kumimoji="1" lang="en-US" altLang="ja-JP" b="1" dirty="0"/>
+              <a:t>Volume Meter</a:t>
+            </a:r>
+            <a:endParaRPr kumimoji="1" lang="ja-JP" altLang="en-US" b="1" dirty="0"/>
+          </a:p>
+        </p:txBody>
+      </p:sp>
+      <p:sp>
+        <p:nvSpPr>
+          <p:cNvPr id="17" name="正方形/長方形 16">
+            <a:extLst>
+              <a:ext uri="{FF2B5EF4-FFF2-40B4-BE49-F238E27FC236}">
+                <a16:creationId xmlns:a16="http://schemas.microsoft.com/office/drawing/2014/main" id="{F0082928-3916-4BCA-6086-E59AC5D2CF46}"/>
+              </a:ext>
+            </a:extLst>
+          </p:cNvPr>
+          <p:cNvSpPr/>
+          <p:nvPr/>
+        </p:nvSpPr>
+        <p:spPr>
+          <a:xfrm>
+            <a:off x="7037439" y="3234813"/>
+            <a:ext cx="2443316" cy="388374"/>
+          </a:xfrm>
+          <a:prstGeom prst="rect">
+            <a:avLst/>
+          </a:prstGeom>
+          <a:solidFill>
+            <a:schemeClr val="bg1"/>
+          </a:solidFill>
+          <a:ln w="19050">
+            <a:solidFill>
+              <a:schemeClr val="tx1"/>
+            </a:solidFill>
+          </a:ln>
+        </p:spPr>
+        <p:style>
+          <a:lnRef idx="1">
+            <a:schemeClr val="accent4"/>
+          </a:lnRef>
+          <a:fillRef idx="2">
+            <a:schemeClr val="accent4"/>
+          </a:fillRef>
+          <a:effectRef idx="1">
+            <a:schemeClr val="accent4"/>
+          </a:effectRef>
+          <a:fontRef idx="minor">
+            <a:schemeClr val="dk1"/>
+          </a:fontRef>
+        </p:style>
+        <p:txBody>
+          <a:bodyPr rtlCol="0" anchor="ctr"/>
+          <a:lstStyle/>
+          <a:p>
+            <a:pPr algn="ctr"/>
+            <a:r>
+              <a:rPr kumimoji="1" lang="en-US" altLang="ja-JP" b="1" dirty="0"/>
+              <a:t>Integrator</a:t>
+            </a:r>
+            <a:endParaRPr kumimoji="1" lang="ja-JP" altLang="en-US" b="1" dirty="0"/>
+          </a:p>
+        </p:txBody>
+      </p:sp>
+      <p:cxnSp>
+        <p:nvCxnSpPr>
+          <p:cNvPr id="18" name="直線矢印コネクタ 17">
+            <a:extLst>
+              <a:ext uri="{FF2B5EF4-FFF2-40B4-BE49-F238E27FC236}">
+                <a16:creationId xmlns:a16="http://schemas.microsoft.com/office/drawing/2014/main" id="{2C7EC911-E90A-BEA1-3CF5-5E66F9C6249C}"/>
+              </a:ext>
+            </a:extLst>
+          </p:cNvPr>
+          <p:cNvCxnSpPr>
+            <a:cxnSpLocks/>
+            <a:stCxn id="17" idx="2"/>
+            <a:endCxn id="4" idx="2"/>
+          </p:cNvCxnSpPr>
+          <p:nvPr/>
+        </p:nvCxnSpPr>
+        <p:spPr>
+          <a:xfrm>
+            <a:off x="8259097" y="3623187"/>
+            <a:ext cx="0" cy="437532"/>
+          </a:xfrm>
+          <a:prstGeom prst="straightConnector1">
+            <a:avLst/>
+          </a:prstGeom>
+          <a:ln w="28575">
+            <a:solidFill>
+              <a:schemeClr val="accent6">
+                <a:lumMod val="60000"/>
+                <a:lumOff val="40000"/>
+              </a:schemeClr>
+            </a:solidFill>
+            <a:tailEnd type="triangle"/>
+          </a:ln>
+        </p:spPr>
+        <p:style>
+          <a:lnRef idx="2">
+            <a:schemeClr val="dk1"/>
+          </a:lnRef>
+          <a:fillRef idx="0">
+            <a:schemeClr val="dk1"/>
+          </a:fillRef>
+          <a:effectRef idx="1">
+            <a:schemeClr val="dk1"/>
+          </a:effectRef>
+          <a:fontRef idx="minor">
+            <a:schemeClr val="tx1"/>
+          </a:fontRef>
+        </p:style>
+      </p:cxnSp>
+      <p:cxnSp>
+        <p:nvCxnSpPr>
+          <p:cNvPr id="22" name="直線矢印コネクタ 21">
+            <a:extLst>
+              <a:ext uri="{FF2B5EF4-FFF2-40B4-BE49-F238E27FC236}">
+                <a16:creationId xmlns:a16="http://schemas.microsoft.com/office/drawing/2014/main" id="{C347B158-A00A-CCDE-32B1-936E23AD6D3A}"/>
+              </a:ext>
+            </a:extLst>
+          </p:cNvPr>
+          <p:cNvCxnSpPr>
+            <a:cxnSpLocks/>
+            <a:stCxn id="16" idx="2"/>
+            <a:endCxn id="17" idx="0"/>
+          </p:cNvCxnSpPr>
+          <p:nvPr/>
+        </p:nvCxnSpPr>
+        <p:spPr>
+          <a:xfrm>
+            <a:off x="8259097" y="2064770"/>
+            <a:ext cx="0" cy="1170043"/>
+          </a:xfrm>
+          <a:prstGeom prst="straightConnector1">
+            <a:avLst/>
+          </a:prstGeom>
+          <a:ln w="28575">
+            <a:tailEnd type="triangle"/>
+          </a:ln>
+        </p:spPr>
+        <p:style>
+          <a:lnRef idx="2">
+            <a:schemeClr val="dk1"/>
+          </a:lnRef>
+          <a:fillRef idx="0">
+            <a:schemeClr val="dk1"/>
+          </a:fillRef>
+          <a:effectRef idx="1">
+            <a:schemeClr val="dk1"/>
+          </a:effectRef>
+          <a:fontRef idx="minor">
+            <a:schemeClr val="tx1"/>
+          </a:fontRef>
+        </p:style>
+      </p:cxnSp>
+      <p:cxnSp>
+        <p:nvCxnSpPr>
+          <p:cNvPr id="25" name="コネクタ: カギ線 24">
+            <a:extLst>
+              <a:ext uri="{FF2B5EF4-FFF2-40B4-BE49-F238E27FC236}">
+                <a16:creationId xmlns:a16="http://schemas.microsoft.com/office/drawing/2014/main" id="{B425707B-1FA3-51A0-90CC-A62BF4525560}"/>
+              </a:ext>
+            </a:extLst>
+          </p:cNvPr>
+          <p:cNvCxnSpPr>
+            <a:cxnSpLocks/>
+            <a:stCxn id="15" idx="3"/>
+            <a:endCxn id="17" idx="3"/>
+          </p:cNvCxnSpPr>
+          <p:nvPr/>
+        </p:nvCxnSpPr>
+        <p:spPr>
+          <a:xfrm>
+            <a:off x="9480755" y="1157748"/>
+            <a:ext cx="12700" cy="2271252"/>
+          </a:xfrm>
+          <a:prstGeom prst="bentConnector3">
+            <a:avLst>
+              <a:gd name="adj1" fmla="val 1800000"/>
+            </a:avLst>
+          </a:prstGeom>
+          <a:ln w="28575">
+            <a:tailEnd type="triangle"/>
+          </a:ln>
+        </p:spPr>
+        <p:style>
+          <a:lnRef idx="2">
+            <a:schemeClr val="dk1"/>
+          </a:lnRef>
+          <a:fillRef idx="0">
+            <a:schemeClr val="dk1"/>
+          </a:fillRef>
+          <a:effectRef idx="1">
+            <a:schemeClr val="dk1"/>
+          </a:effectRef>
+          <a:fontRef idx="minor">
+            <a:schemeClr val="tx1"/>
+          </a:fontRef>
+        </p:style>
+      </p:cxnSp>
+      <p:cxnSp>
+        <p:nvCxnSpPr>
+          <p:cNvPr id="29" name="コネクタ: カギ線 28">
+            <a:extLst>
+              <a:ext uri="{FF2B5EF4-FFF2-40B4-BE49-F238E27FC236}">
+                <a16:creationId xmlns:a16="http://schemas.microsoft.com/office/drawing/2014/main" id="{F7AEC28E-65AF-0B15-498E-82BBFA072E11}"/>
+              </a:ext>
+            </a:extLst>
+          </p:cNvPr>
+          <p:cNvCxnSpPr>
+            <a:cxnSpLocks/>
+            <a:stCxn id="4" idx="1"/>
+            <a:endCxn id="15" idx="1"/>
+          </p:cNvCxnSpPr>
+          <p:nvPr/>
+        </p:nvCxnSpPr>
+        <p:spPr>
+          <a:xfrm rot="10800000" flipH="1">
+            <a:off x="5850193" y="1157748"/>
+            <a:ext cx="1187245" cy="1093836"/>
+          </a:xfrm>
+          <a:prstGeom prst="bentConnector3">
+            <a:avLst>
+              <a:gd name="adj1" fmla="val 37888"/>
+            </a:avLst>
+          </a:prstGeom>
+          <a:ln w="28575">
+            <a:tailEnd type="triangle"/>
+          </a:ln>
+        </p:spPr>
+        <p:style>
+          <a:lnRef idx="2">
+            <a:schemeClr val="dk1"/>
+          </a:lnRef>
+          <a:fillRef idx="0">
+            <a:schemeClr val="dk1"/>
+          </a:fillRef>
+          <a:effectRef idx="1">
+            <a:schemeClr val="dk1"/>
+          </a:effectRef>
+          <a:fontRef idx="minor">
+            <a:schemeClr val="tx1"/>
+          </a:fontRef>
+        </p:style>
+      </p:cxnSp>
+      <p:cxnSp>
+        <p:nvCxnSpPr>
+          <p:cNvPr id="33" name="コネクタ: カギ線 32">
+            <a:extLst>
+              <a:ext uri="{FF2B5EF4-FFF2-40B4-BE49-F238E27FC236}">
+                <a16:creationId xmlns:a16="http://schemas.microsoft.com/office/drawing/2014/main" id="{7A435D87-7C27-E650-68F2-6E4294FF9B56}"/>
+              </a:ext>
+            </a:extLst>
+          </p:cNvPr>
+          <p:cNvCxnSpPr>
+            <a:cxnSpLocks/>
+            <a:stCxn id="4" idx="1"/>
+            <a:endCxn id="16" idx="1"/>
+          </p:cNvCxnSpPr>
+          <p:nvPr/>
+        </p:nvCxnSpPr>
+        <p:spPr>
+          <a:xfrm rot="10800000" flipH="1">
+            <a:off x="5850193" y="1870584"/>
+            <a:ext cx="1187245" cy="381001"/>
+          </a:xfrm>
+          <a:prstGeom prst="bentConnector3">
+            <a:avLst>
+              <a:gd name="adj1" fmla="val 63561"/>
+            </a:avLst>
+          </a:prstGeom>
+          <a:ln w="28575">
+            <a:tailEnd type="triangle"/>
+          </a:ln>
+        </p:spPr>
+        <p:style>
+          <a:lnRef idx="2">
+            <a:schemeClr val="dk1"/>
+          </a:lnRef>
+          <a:fillRef idx="0">
+            <a:schemeClr val="dk1"/>
+          </a:fillRef>
+          <a:effectRef idx="1">
+            <a:schemeClr val="dk1"/>
+          </a:effectRef>
+          <a:fontRef idx="minor">
+            <a:schemeClr val="tx1"/>
+          </a:fontRef>
+        </p:style>
+      </p:cxnSp>
     </p:spTree>
     <p:extLst>
       <p:ext uri="{BB962C8B-B14F-4D97-AF65-F5344CB8AC3E}">
         <p14:creationId xmlns:p14="http://schemas.microsoft.com/office/powerpoint/2010/main" val="1053721293"/>
+      </p:ext>
+    </p:extLst>
+  </p:cSld>
+  <p:clrMapOvr>
+    <a:masterClrMapping/>
+  </p:clrMapOvr>
+</p:sld>
+</file>
+
+<file path=ppt/slides/slide2.xml><?xml version="1.0" encoding="utf-8"?>
+<p:sld xmlns:a="http://schemas.openxmlformats.org/drawingml/2006/main" xmlns:r="http://schemas.openxmlformats.org/officeDocument/2006/relationships" xmlns:p="http://schemas.openxmlformats.org/presentationml/2006/main">
+  <p:cSld>
+    <p:spTree>
+      <p:nvGrpSpPr>
+        <p:cNvPr id="1" name=""/>
+        <p:cNvGrpSpPr/>
+        <p:nvPr/>
+      </p:nvGrpSpPr>
+      <p:grpSpPr>
+        <a:xfrm>
+          <a:off x="0" y="0"/>
+          <a:ext cx="0" cy="0"/>
+          <a:chOff x="0" y="0"/>
+          <a:chExt cx="0" cy="0"/>
+        </a:xfrm>
+      </p:grpSpPr>
+      <p:sp>
+        <p:nvSpPr>
+          <p:cNvPr id="4" name="正方形/長方形 3">
+            <a:extLst>
+              <a:ext uri="{FF2B5EF4-FFF2-40B4-BE49-F238E27FC236}">
+                <a16:creationId xmlns:a16="http://schemas.microsoft.com/office/drawing/2014/main" id="{B7C41048-277C-0D3B-73B1-12131C9D9796}"/>
+              </a:ext>
+            </a:extLst>
+          </p:cNvPr>
+          <p:cNvSpPr/>
+          <p:nvPr/>
+        </p:nvSpPr>
+        <p:spPr>
+          <a:xfrm>
+            <a:off x="422788" y="432615"/>
+            <a:ext cx="11189110" cy="5928856"/>
+          </a:xfrm>
+          <a:prstGeom prst="rect">
+            <a:avLst/>
+          </a:prstGeom>
+          <a:solidFill>
+            <a:schemeClr val="accent1">
+              <a:lumMod val="50000"/>
+            </a:schemeClr>
+          </a:solidFill>
+          <a:ln w="19050">
+            <a:solidFill>
+              <a:schemeClr val="tx1"/>
+            </a:solidFill>
+          </a:ln>
+        </p:spPr>
+        <p:style>
+          <a:lnRef idx="1">
+            <a:schemeClr val="accent4"/>
+          </a:lnRef>
+          <a:fillRef idx="2">
+            <a:schemeClr val="accent4"/>
+          </a:fillRef>
+          <a:effectRef idx="1">
+            <a:schemeClr val="accent4"/>
+          </a:effectRef>
+          <a:fontRef idx="minor">
+            <a:schemeClr val="dk1"/>
+          </a:fontRef>
+        </p:style>
+        <p:txBody>
+          <a:bodyPr rtlCol="0" anchor="t"/>
+          <a:lstStyle/>
+          <a:p>
+            <a:pPr algn="ctr"/>
+            <a:endParaRPr kumimoji="1" lang="ja-JP" altLang="en-US" b="1" dirty="0"/>
+          </a:p>
+        </p:txBody>
+      </p:sp>
+      <p:sp>
+        <p:nvSpPr>
+          <p:cNvPr id="5" name="正方形/長方形 4">
+            <a:extLst>
+              <a:ext uri="{FF2B5EF4-FFF2-40B4-BE49-F238E27FC236}">
+                <a16:creationId xmlns:a16="http://schemas.microsoft.com/office/drawing/2014/main" id="{E6E01D72-58A4-2E33-8E0D-2E82D97E630B}"/>
+              </a:ext>
+            </a:extLst>
+          </p:cNvPr>
+          <p:cNvSpPr/>
+          <p:nvPr/>
+        </p:nvSpPr>
+        <p:spPr>
+          <a:xfrm>
+            <a:off x="750055" y="642412"/>
+            <a:ext cx="2224128" cy="2330246"/>
+          </a:xfrm>
+          <a:prstGeom prst="rect">
+            <a:avLst/>
+          </a:prstGeom>
+          <a:solidFill>
+            <a:schemeClr val="bg2">
+              <a:lumMod val="75000"/>
+            </a:schemeClr>
+          </a:solidFill>
+        </p:spPr>
+        <p:style>
+          <a:lnRef idx="2">
+            <a:schemeClr val="accent1">
+              <a:shade val="15000"/>
+            </a:schemeClr>
+          </a:lnRef>
+          <a:fillRef idx="1">
+            <a:schemeClr val="accent1"/>
+          </a:fillRef>
+          <a:effectRef idx="0">
+            <a:schemeClr val="accent1"/>
+          </a:effectRef>
+          <a:fontRef idx="minor">
+            <a:schemeClr val="lt1"/>
+          </a:fontRef>
+        </p:style>
+        <p:txBody>
+          <a:bodyPr rtlCol="0" anchor="ctr"/>
+          <a:lstStyle/>
+          <a:p>
+            <a:pPr algn="ctr"/>
+            <a:endParaRPr kumimoji="1" lang="ja-JP" altLang="en-US"/>
+          </a:p>
+        </p:txBody>
+      </p:sp>
+      <p:pic>
+        <p:nvPicPr>
+          <p:cNvPr id="6" name="グラフィックス 5" descr="無線マイク 単色塗りつぶし">
+            <a:extLst>
+              <a:ext uri="{FF2B5EF4-FFF2-40B4-BE49-F238E27FC236}">
+                <a16:creationId xmlns:a16="http://schemas.microsoft.com/office/drawing/2014/main" id="{BA7F4F31-6DB8-76F7-4B1D-ABC048CA9EA5}"/>
+              </a:ext>
+            </a:extLst>
+          </p:cNvPr>
+          <p:cNvPicPr>
+            <a:picLocks noChangeAspect="1"/>
+          </p:cNvPicPr>
+          <p:nvPr/>
+        </p:nvPicPr>
+        <p:blipFill>
+          <a:blip r:embed="rId2">
+            <a:extLst>
+              <a:ext uri="{96DAC541-7B7A-43D3-8B79-37D633B846F1}">
+                <asvg:svgBlip xmlns:asvg="http://schemas.microsoft.com/office/drawing/2016/SVG/main" r:embed="rId3"/>
+              </a:ext>
+            </a:extLst>
+          </a:blip>
+          <a:stretch>
+            <a:fillRect/>
+          </a:stretch>
+        </p:blipFill>
+        <p:spPr>
+          <a:xfrm>
+            <a:off x="879869" y="1500276"/>
+            <a:ext cx="1135626" cy="1135626"/>
+          </a:xfrm>
+          <a:prstGeom prst="rect">
+            <a:avLst/>
+          </a:prstGeom>
+        </p:spPr>
+      </p:pic>
+      <p:sp>
+        <p:nvSpPr>
+          <p:cNvPr id="7" name="正方形/長方形 6">
+            <a:extLst>
+              <a:ext uri="{FF2B5EF4-FFF2-40B4-BE49-F238E27FC236}">
+                <a16:creationId xmlns:a16="http://schemas.microsoft.com/office/drawing/2014/main" id="{92ECFEEB-B9DF-EF60-9B81-3A03400A173B}"/>
+              </a:ext>
+            </a:extLst>
+          </p:cNvPr>
+          <p:cNvSpPr/>
+          <p:nvPr/>
+        </p:nvSpPr>
+        <p:spPr>
+          <a:xfrm>
+            <a:off x="2146235" y="1913235"/>
+            <a:ext cx="471948" cy="707923"/>
+          </a:xfrm>
+          <a:prstGeom prst="rect">
+            <a:avLst/>
+          </a:prstGeom>
+          <a:solidFill>
+            <a:schemeClr val="bg2">
+              <a:lumMod val="75000"/>
+            </a:schemeClr>
+          </a:solidFill>
+        </p:spPr>
+        <p:style>
+          <a:lnRef idx="2">
+            <a:schemeClr val="accent1">
+              <a:shade val="15000"/>
+            </a:schemeClr>
+          </a:lnRef>
+          <a:fillRef idx="1">
+            <a:schemeClr val="accent1"/>
+          </a:fillRef>
+          <a:effectRef idx="0">
+            <a:schemeClr val="accent1"/>
+          </a:effectRef>
+          <a:fontRef idx="minor">
+            <a:schemeClr val="lt1"/>
+          </a:fontRef>
+        </p:style>
+        <p:txBody>
+          <a:bodyPr rtlCol="0" anchor="ctr"/>
+          <a:lstStyle/>
+          <a:p>
+            <a:pPr algn="ctr"/>
+            <a:endParaRPr kumimoji="1" lang="ja-JP" altLang="en-US"/>
+          </a:p>
+        </p:txBody>
+      </p:sp>
+      <p:sp>
+        <p:nvSpPr>
+          <p:cNvPr id="8" name="正方形/長方形 7">
+            <a:extLst>
+              <a:ext uri="{FF2B5EF4-FFF2-40B4-BE49-F238E27FC236}">
+                <a16:creationId xmlns:a16="http://schemas.microsoft.com/office/drawing/2014/main" id="{803C4AAE-D6BC-2D9D-1A97-BB8F2BC6891F}"/>
+              </a:ext>
+            </a:extLst>
+          </p:cNvPr>
+          <p:cNvSpPr/>
+          <p:nvPr/>
+        </p:nvSpPr>
+        <p:spPr>
+          <a:xfrm>
+            <a:off x="2146235" y="1505581"/>
+            <a:ext cx="471948" cy="356032"/>
+          </a:xfrm>
+          <a:prstGeom prst="rect">
+            <a:avLst/>
+          </a:prstGeom>
+          <a:solidFill>
+            <a:schemeClr val="bg2">
+              <a:lumMod val="75000"/>
+            </a:schemeClr>
+          </a:solidFill>
+        </p:spPr>
+        <p:style>
+          <a:lnRef idx="2">
+            <a:schemeClr val="accent1">
+              <a:shade val="15000"/>
+            </a:schemeClr>
+          </a:lnRef>
+          <a:fillRef idx="1">
+            <a:schemeClr val="accent1"/>
+          </a:fillRef>
+          <a:effectRef idx="0">
+            <a:schemeClr val="accent1"/>
+          </a:effectRef>
+          <a:fontRef idx="minor">
+            <a:schemeClr val="lt1"/>
+          </a:fontRef>
+        </p:style>
+        <p:txBody>
+          <a:bodyPr rtlCol="0" anchor="ctr"/>
+          <a:lstStyle/>
+          <a:p>
+            <a:pPr algn="ctr"/>
+            <a:endParaRPr kumimoji="1" lang="ja-JP" altLang="en-US"/>
+          </a:p>
+        </p:txBody>
+      </p:sp>
+      <p:sp>
+        <p:nvSpPr>
+          <p:cNvPr id="9" name="正方形/長方形 8">
+            <a:extLst>
+              <a:ext uri="{FF2B5EF4-FFF2-40B4-BE49-F238E27FC236}">
+                <a16:creationId xmlns:a16="http://schemas.microsoft.com/office/drawing/2014/main" id="{7AB585A1-5D75-E6E9-9F1E-80A328685BB4}"/>
+              </a:ext>
+            </a:extLst>
+          </p:cNvPr>
+          <p:cNvSpPr/>
+          <p:nvPr/>
+        </p:nvSpPr>
+        <p:spPr>
+          <a:xfrm>
+            <a:off x="2146235" y="1224969"/>
+            <a:ext cx="471948" cy="243348"/>
+          </a:xfrm>
+          <a:prstGeom prst="rect">
+            <a:avLst/>
+          </a:prstGeom>
+          <a:solidFill>
+            <a:schemeClr val="bg2">
+              <a:lumMod val="75000"/>
+            </a:schemeClr>
+          </a:solidFill>
+        </p:spPr>
+        <p:style>
+          <a:lnRef idx="2">
+            <a:schemeClr val="accent1">
+              <a:shade val="15000"/>
+            </a:schemeClr>
+          </a:lnRef>
+          <a:fillRef idx="1">
+            <a:schemeClr val="accent1"/>
+          </a:fillRef>
+          <a:effectRef idx="0">
+            <a:schemeClr val="accent1"/>
+          </a:effectRef>
+          <a:fontRef idx="minor">
+            <a:schemeClr val="lt1"/>
+          </a:fontRef>
+        </p:style>
+        <p:txBody>
+          <a:bodyPr rtlCol="0" anchor="ctr"/>
+          <a:lstStyle/>
+          <a:p>
+            <a:pPr algn="ctr"/>
+            <a:endParaRPr kumimoji="1" lang="ja-JP" altLang="en-US"/>
+          </a:p>
+        </p:txBody>
+      </p:sp>
+      <p:sp>
+        <p:nvSpPr>
+          <p:cNvPr id="10" name="正方形/長方形 9">
+            <a:extLst>
+              <a:ext uri="{FF2B5EF4-FFF2-40B4-BE49-F238E27FC236}">
+                <a16:creationId xmlns:a16="http://schemas.microsoft.com/office/drawing/2014/main" id="{CF63895E-13BB-3F75-7F75-6EA8037FACCE}"/>
+              </a:ext>
+            </a:extLst>
+          </p:cNvPr>
+          <p:cNvSpPr/>
+          <p:nvPr/>
+        </p:nvSpPr>
+        <p:spPr>
+          <a:xfrm>
+            <a:off x="750055" y="3157118"/>
+            <a:ext cx="5289178" cy="3032330"/>
+          </a:xfrm>
+          <a:prstGeom prst="rect">
+            <a:avLst/>
+          </a:prstGeom>
+          <a:solidFill>
+            <a:schemeClr val="bg2">
+              <a:lumMod val="75000"/>
+            </a:schemeClr>
+          </a:solidFill>
+        </p:spPr>
+        <p:style>
+          <a:lnRef idx="2">
+            <a:schemeClr val="accent1">
+              <a:shade val="15000"/>
+            </a:schemeClr>
+          </a:lnRef>
+          <a:fillRef idx="1">
+            <a:schemeClr val="accent1"/>
+          </a:fillRef>
+          <a:effectRef idx="0">
+            <a:schemeClr val="accent1"/>
+          </a:effectRef>
+          <a:fontRef idx="minor">
+            <a:schemeClr val="lt1"/>
+          </a:fontRef>
+        </p:style>
+        <p:txBody>
+          <a:bodyPr rtlCol="0" anchor="ctr"/>
+          <a:lstStyle/>
+          <a:p>
+            <a:pPr algn="ctr"/>
+            <a:endParaRPr kumimoji="1" lang="ja-JP" altLang="en-US" dirty="0"/>
+          </a:p>
+        </p:txBody>
+      </p:sp>
+      <p:sp>
+        <p:nvSpPr>
+          <p:cNvPr id="11" name="正方形/長方形 10">
+            <a:extLst>
+              <a:ext uri="{FF2B5EF4-FFF2-40B4-BE49-F238E27FC236}">
+                <a16:creationId xmlns:a16="http://schemas.microsoft.com/office/drawing/2014/main" id="{B29B265A-2A1D-20BB-0C62-7FF1AA40E1B6}"/>
+              </a:ext>
+            </a:extLst>
+          </p:cNvPr>
+          <p:cNvSpPr/>
+          <p:nvPr/>
+        </p:nvSpPr>
+        <p:spPr>
+          <a:xfrm>
+            <a:off x="3092934" y="668552"/>
+            <a:ext cx="8177635" cy="2330246"/>
+          </a:xfrm>
+          <a:prstGeom prst="rect">
+            <a:avLst/>
+          </a:prstGeom>
+          <a:solidFill>
+            <a:schemeClr val="bg2">
+              <a:lumMod val="75000"/>
+            </a:schemeClr>
+          </a:solidFill>
+        </p:spPr>
+        <p:style>
+          <a:lnRef idx="2">
+            <a:schemeClr val="accent1">
+              <a:shade val="15000"/>
+            </a:schemeClr>
+          </a:lnRef>
+          <a:fillRef idx="1">
+            <a:schemeClr val="accent1"/>
+          </a:fillRef>
+          <a:effectRef idx="0">
+            <a:schemeClr val="accent1"/>
+          </a:effectRef>
+          <a:fontRef idx="minor">
+            <a:schemeClr val="lt1"/>
+          </a:fontRef>
+        </p:style>
+        <p:txBody>
+          <a:bodyPr rtlCol="0" anchor="t"/>
+          <a:lstStyle/>
+          <a:p>
+            <a:pPr algn="ctr"/>
+            <a:endParaRPr kumimoji="1" lang="ja-JP" altLang="en-US" b="1" dirty="0"/>
+          </a:p>
+        </p:txBody>
+      </p:sp>
+      <p:sp>
+        <p:nvSpPr>
+          <p:cNvPr id="25" name="正方形/長方形 24">
+            <a:extLst>
+              <a:ext uri="{FF2B5EF4-FFF2-40B4-BE49-F238E27FC236}">
+                <a16:creationId xmlns:a16="http://schemas.microsoft.com/office/drawing/2014/main" id="{027575E3-374D-90FD-6E5A-4995C2694C80}"/>
+              </a:ext>
+            </a:extLst>
+          </p:cNvPr>
+          <p:cNvSpPr/>
+          <p:nvPr/>
+        </p:nvSpPr>
+        <p:spPr>
+          <a:xfrm>
+            <a:off x="6165171" y="3153976"/>
+            <a:ext cx="5105399" cy="3035472"/>
+          </a:xfrm>
+          <a:prstGeom prst="rect">
+            <a:avLst/>
+          </a:prstGeom>
+          <a:solidFill>
+            <a:schemeClr val="bg2">
+              <a:lumMod val="75000"/>
+            </a:schemeClr>
+          </a:solidFill>
+        </p:spPr>
+        <p:style>
+          <a:lnRef idx="2">
+            <a:schemeClr val="accent1">
+              <a:shade val="15000"/>
+            </a:schemeClr>
+          </a:lnRef>
+          <a:fillRef idx="1">
+            <a:schemeClr val="accent1"/>
+          </a:fillRef>
+          <a:effectRef idx="0">
+            <a:schemeClr val="accent1"/>
+          </a:effectRef>
+          <a:fontRef idx="minor">
+            <a:schemeClr val="lt1"/>
+          </a:fontRef>
+        </p:style>
+        <p:txBody>
+          <a:bodyPr rtlCol="0" anchor="t"/>
+          <a:lstStyle/>
+          <a:p>
+            <a:pPr algn="ctr"/>
+            <a:endParaRPr kumimoji="1" lang="ja-JP" altLang="en-US" b="1" dirty="0"/>
+          </a:p>
+        </p:txBody>
+      </p:sp>
+      <p:sp>
+        <p:nvSpPr>
+          <p:cNvPr id="31" name="正方形/長方形 30">
+            <a:extLst>
+              <a:ext uri="{FF2B5EF4-FFF2-40B4-BE49-F238E27FC236}">
+                <a16:creationId xmlns:a16="http://schemas.microsoft.com/office/drawing/2014/main" id="{ADBE59A9-1E97-0697-027B-E12445B56DE8}"/>
+              </a:ext>
+            </a:extLst>
+          </p:cNvPr>
+          <p:cNvSpPr/>
+          <p:nvPr/>
+        </p:nvSpPr>
+        <p:spPr>
+          <a:xfrm>
+            <a:off x="3454540" y="1720916"/>
+            <a:ext cx="7323802" cy="819453"/>
+          </a:xfrm>
+          <a:prstGeom prst="rect">
+            <a:avLst/>
+          </a:prstGeom>
+          <a:solidFill>
+            <a:schemeClr val="bg2">
+              <a:lumMod val="75000"/>
+            </a:schemeClr>
+          </a:solidFill>
+        </p:spPr>
+        <p:style>
+          <a:lnRef idx="2">
+            <a:schemeClr val="accent1">
+              <a:shade val="15000"/>
+            </a:schemeClr>
+          </a:lnRef>
+          <a:fillRef idx="1">
+            <a:schemeClr val="accent1"/>
+          </a:fillRef>
+          <a:effectRef idx="0">
+            <a:schemeClr val="accent1"/>
+          </a:effectRef>
+          <a:fontRef idx="minor">
+            <a:schemeClr val="lt1"/>
+          </a:fontRef>
+        </p:style>
+        <p:txBody>
+          <a:bodyPr rtlCol="0" anchor="ctr"/>
+          <a:lstStyle/>
+          <a:p>
+            <a:pPr algn="ctr"/>
+            <a:endParaRPr kumimoji="1" lang="ja-JP" altLang="en-US"/>
+          </a:p>
+        </p:txBody>
+      </p:sp>
+      <p:sp>
+        <p:nvSpPr>
+          <p:cNvPr id="32" name="正方形/長方形 31">
+            <a:extLst>
+              <a:ext uri="{FF2B5EF4-FFF2-40B4-BE49-F238E27FC236}">
+                <a16:creationId xmlns:a16="http://schemas.microsoft.com/office/drawing/2014/main" id="{7C148922-06DD-1471-B47C-999AFD2D316E}"/>
+              </a:ext>
+            </a:extLst>
+          </p:cNvPr>
+          <p:cNvSpPr/>
+          <p:nvPr/>
+        </p:nvSpPr>
+        <p:spPr>
+          <a:xfrm>
+            <a:off x="3454540" y="1143264"/>
+            <a:ext cx="4414682" cy="384688"/>
+          </a:xfrm>
+          <a:prstGeom prst="rect">
+            <a:avLst/>
+          </a:prstGeom>
+          <a:solidFill>
+            <a:schemeClr val="bg2">
+              <a:lumMod val="75000"/>
+            </a:schemeClr>
+          </a:solidFill>
+        </p:spPr>
+        <p:style>
+          <a:lnRef idx="2">
+            <a:schemeClr val="accent1">
+              <a:shade val="15000"/>
+            </a:schemeClr>
+          </a:lnRef>
+          <a:fillRef idx="1">
+            <a:schemeClr val="accent1"/>
+          </a:fillRef>
+          <a:effectRef idx="0">
+            <a:schemeClr val="accent1"/>
+          </a:effectRef>
+          <a:fontRef idx="minor">
+            <a:schemeClr val="lt1"/>
+          </a:fontRef>
+        </p:style>
+        <p:txBody>
+          <a:bodyPr rtlCol="0" anchor="ctr"/>
+          <a:lstStyle/>
+          <a:p>
+            <a:endParaRPr kumimoji="1" lang="ja-JP" altLang="en-US" b="1" dirty="0"/>
+          </a:p>
+        </p:txBody>
+      </p:sp>
+      <p:sp>
+        <p:nvSpPr>
+          <p:cNvPr id="33" name="正方形/長方形 32">
+            <a:extLst>
+              <a:ext uri="{FF2B5EF4-FFF2-40B4-BE49-F238E27FC236}">
+                <a16:creationId xmlns:a16="http://schemas.microsoft.com/office/drawing/2014/main" id="{7180D7C5-029D-935E-8D3A-E624DB4A5EFC}"/>
+              </a:ext>
+            </a:extLst>
+          </p:cNvPr>
+          <p:cNvSpPr/>
+          <p:nvPr/>
+        </p:nvSpPr>
+        <p:spPr>
+          <a:xfrm>
+            <a:off x="8017169" y="1143264"/>
+            <a:ext cx="2761173" cy="384688"/>
+          </a:xfrm>
+          <a:prstGeom prst="rect">
+            <a:avLst/>
+          </a:prstGeom>
+          <a:solidFill>
+            <a:schemeClr val="bg2">
+              <a:lumMod val="75000"/>
+            </a:schemeClr>
+          </a:solidFill>
+        </p:spPr>
+        <p:style>
+          <a:lnRef idx="2">
+            <a:schemeClr val="accent1">
+              <a:shade val="15000"/>
+            </a:schemeClr>
+          </a:lnRef>
+          <a:fillRef idx="1">
+            <a:schemeClr val="accent1"/>
+          </a:fillRef>
+          <a:effectRef idx="0">
+            <a:schemeClr val="accent1"/>
+          </a:effectRef>
+          <a:fontRef idx="minor">
+            <a:schemeClr val="lt1"/>
+          </a:fontRef>
+        </p:style>
+        <p:txBody>
+          <a:bodyPr rtlCol="0" anchor="ctr"/>
+          <a:lstStyle/>
+          <a:p>
+            <a:endParaRPr kumimoji="1" lang="ja-JP" altLang="en-US" b="1" dirty="0"/>
+          </a:p>
+        </p:txBody>
+      </p:sp>
+      <p:sp>
+        <p:nvSpPr>
+          <p:cNvPr id="34" name="正方形/長方形 33">
+            <a:extLst>
+              <a:ext uri="{FF2B5EF4-FFF2-40B4-BE49-F238E27FC236}">
+                <a16:creationId xmlns:a16="http://schemas.microsoft.com/office/drawing/2014/main" id="{EA1074C7-2EC7-5339-5339-9122E6E89A0B}"/>
+              </a:ext>
+            </a:extLst>
+          </p:cNvPr>
+          <p:cNvSpPr/>
+          <p:nvPr/>
+        </p:nvSpPr>
+        <p:spPr>
+          <a:xfrm>
+            <a:off x="2170201" y="2353229"/>
+            <a:ext cx="424015" cy="257481"/>
+          </a:xfrm>
+          <a:prstGeom prst="rect">
+            <a:avLst/>
+          </a:prstGeom>
+        </p:spPr>
+        <p:style>
+          <a:lnRef idx="2">
+            <a:schemeClr val="dk1">
+              <a:shade val="15000"/>
+            </a:schemeClr>
+          </a:lnRef>
+          <a:fillRef idx="1">
+            <a:schemeClr val="dk1"/>
+          </a:fillRef>
+          <a:effectRef idx="0">
+            <a:schemeClr val="dk1"/>
+          </a:effectRef>
+          <a:fontRef idx="minor">
+            <a:schemeClr val="lt1"/>
+          </a:fontRef>
+        </p:style>
+        <p:txBody>
+          <a:bodyPr rtlCol="0" anchor="ctr"/>
+          <a:lstStyle/>
+          <a:p>
+            <a:pPr algn="ctr"/>
+            <a:endParaRPr kumimoji="1" lang="ja-JP" altLang="en-US"/>
+          </a:p>
+        </p:txBody>
+      </p:sp>
+      <p:sp>
+        <p:nvSpPr>
+          <p:cNvPr id="35" name="正方形/長方形 34">
+            <a:extLst>
+              <a:ext uri="{FF2B5EF4-FFF2-40B4-BE49-F238E27FC236}">
+                <a16:creationId xmlns:a16="http://schemas.microsoft.com/office/drawing/2014/main" id="{6399FA99-3093-94A3-5E59-2B43C2F944C3}"/>
+              </a:ext>
+            </a:extLst>
+          </p:cNvPr>
+          <p:cNvSpPr/>
+          <p:nvPr/>
+        </p:nvSpPr>
+        <p:spPr>
+          <a:xfrm>
+            <a:off x="2170201" y="2149210"/>
+            <a:ext cx="424015" cy="143028"/>
+          </a:xfrm>
+          <a:prstGeom prst="rect">
+            <a:avLst/>
+          </a:prstGeom>
+        </p:spPr>
+        <p:style>
+          <a:lnRef idx="2">
+            <a:schemeClr val="dk1">
+              <a:shade val="15000"/>
+            </a:schemeClr>
+          </a:lnRef>
+          <a:fillRef idx="1">
+            <a:schemeClr val="dk1"/>
+          </a:fillRef>
+          <a:effectRef idx="0">
+            <a:schemeClr val="dk1"/>
+          </a:effectRef>
+          <a:fontRef idx="minor">
+            <a:schemeClr val="lt1"/>
+          </a:fontRef>
+        </p:style>
+        <p:txBody>
+          <a:bodyPr rtlCol="0" anchor="ctr"/>
+          <a:lstStyle/>
+          <a:p>
+            <a:pPr algn="ctr"/>
+            <a:endParaRPr kumimoji="1" lang="ja-JP" altLang="en-US"/>
+          </a:p>
+        </p:txBody>
+      </p:sp>
+      <p:sp>
+        <p:nvSpPr>
+          <p:cNvPr id="36" name="正方形/長方形 35">
+            <a:extLst>
+              <a:ext uri="{FF2B5EF4-FFF2-40B4-BE49-F238E27FC236}">
+                <a16:creationId xmlns:a16="http://schemas.microsoft.com/office/drawing/2014/main" id="{8B3F4F76-643D-EE56-C6DD-AD01A1C6BC8A}"/>
+              </a:ext>
+            </a:extLst>
+          </p:cNvPr>
+          <p:cNvSpPr/>
+          <p:nvPr/>
+        </p:nvSpPr>
+        <p:spPr>
+          <a:xfrm>
+            <a:off x="2163442" y="1283502"/>
+            <a:ext cx="430774" cy="127051"/>
+          </a:xfrm>
+          <a:prstGeom prst="rect">
+            <a:avLst/>
+          </a:prstGeom>
+        </p:spPr>
+        <p:style>
+          <a:lnRef idx="2">
+            <a:schemeClr val="dk1">
+              <a:shade val="15000"/>
+            </a:schemeClr>
+          </a:lnRef>
+          <a:fillRef idx="1">
+            <a:schemeClr val="dk1"/>
+          </a:fillRef>
+          <a:effectRef idx="0">
+            <a:schemeClr val="dk1"/>
+          </a:effectRef>
+          <a:fontRef idx="minor">
+            <a:schemeClr val="lt1"/>
+          </a:fontRef>
+        </p:style>
+        <p:txBody>
+          <a:bodyPr rtlCol="0" anchor="ctr"/>
+          <a:lstStyle/>
+          <a:p>
+            <a:pPr algn="ctr"/>
+            <a:endParaRPr kumimoji="1" lang="ja-JP" altLang="en-US"/>
+          </a:p>
+        </p:txBody>
+      </p:sp>
+      <p:sp>
+        <p:nvSpPr>
+          <p:cNvPr id="37" name="正方形/長方形 36">
+            <a:extLst>
+              <a:ext uri="{FF2B5EF4-FFF2-40B4-BE49-F238E27FC236}">
+                <a16:creationId xmlns:a16="http://schemas.microsoft.com/office/drawing/2014/main" id="{EB374732-D3E4-FCCA-D8F1-E3D8CDB8A54A}"/>
+              </a:ext>
+            </a:extLst>
+          </p:cNvPr>
+          <p:cNvSpPr/>
+          <p:nvPr/>
+        </p:nvSpPr>
+        <p:spPr>
+          <a:xfrm>
+            <a:off x="2166823" y="1692927"/>
+            <a:ext cx="430774" cy="127051"/>
+          </a:xfrm>
+          <a:prstGeom prst="rect">
+            <a:avLst/>
+          </a:prstGeom>
+        </p:spPr>
+        <p:style>
+          <a:lnRef idx="2">
+            <a:schemeClr val="dk1">
+              <a:shade val="15000"/>
+            </a:schemeClr>
+          </a:lnRef>
+          <a:fillRef idx="1">
+            <a:schemeClr val="dk1"/>
+          </a:fillRef>
+          <a:effectRef idx="0">
+            <a:schemeClr val="dk1"/>
+          </a:effectRef>
+          <a:fontRef idx="minor">
+            <a:schemeClr val="lt1"/>
+          </a:fontRef>
+        </p:style>
+        <p:txBody>
+          <a:bodyPr rtlCol="0" anchor="ctr"/>
+          <a:lstStyle/>
+          <a:p>
+            <a:pPr algn="ctr"/>
+            <a:endParaRPr kumimoji="1" lang="ja-JP" altLang="en-US"/>
+          </a:p>
+        </p:txBody>
+      </p:sp>
+      <p:sp>
+        <p:nvSpPr>
+          <p:cNvPr id="38" name="正方形/長方形 37">
+            <a:extLst>
+              <a:ext uri="{FF2B5EF4-FFF2-40B4-BE49-F238E27FC236}">
+                <a16:creationId xmlns:a16="http://schemas.microsoft.com/office/drawing/2014/main" id="{55550CE6-CEF5-255B-F880-D2942F5414C5}"/>
+              </a:ext>
+            </a:extLst>
+          </p:cNvPr>
+          <p:cNvSpPr/>
+          <p:nvPr/>
+        </p:nvSpPr>
+        <p:spPr>
+          <a:xfrm>
+            <a:off x="2163442" y="1964010"/>
+            <a:ext cx="430774" cy="127051"/>
+          </a:xfrm>
+          <a:prstGeom prst="rect">
+            <a:avLst/>
+          </a:prstGeom>
+        </p:spPr>
+        <p:style>
+          <a:lnRef idx="2">
+            <a:schemeClr val="dk1">
+              <a:shade val="15000"/>
+            </a:schemeClr>
+          </a:lnRef>
+          <a:fillRef idx="1">
+            <a:schemeClr val="dk1"/>
+          </a:fillRef>
+          <a:effectRef idx="0">
+            <a:schemeClr val="dk1"/>
+          </a:effectRef>
+          <a:fontRef idx="minor">
+            <a:schemeClr val="lt1"/>
+          </a:fontRef>
+        </p:style>
+        <p:txBody>
+          <a:bodyPr rtlCol="0" anchor="ctr"/>
+          <a:lstStyle/>
+          <a:p>
+            <a:pPr algn="ctr"/>
+            <a:endParaRPr kumimoji="1" lang="ja-JP" altLang="en-US"/>
+          </a:p>
+        </p:txBody>
+      </p:sp>
+      <p:sp>
+        <p:nvSpPr>
+          <p:cNvPr id="43" name="正方形/長方形 42">
+            <a:extLst>
+              <a:ext uri="{FF2B5EF4-FFF2-40B4-BE49-F238E27FC236}">
+                <a16:creationId xmlns:a16="http://schemas.microsoft.com/office/drawing/2014/main" id="{423523E2-DE31-8D00-F02E-3FABAC2D5579}"/>
+              </a:ext>
+            </a:extLst>
+          </p:cNvPr>
+          <p:cNvSpPr/>
+          <p:nvPr/>
+        </p:nvSpPr>
+        <p:spPr>
+          <a:xfrm>
+            <a:off x="2169895" y="1535380"/>
+            <a:ext cx="430774" cy="127051"/>
+          </a:xfrm>
+          <a:prstGeom prst="rect">
+            <a:avLst/>
+          </a:prstGeom>
+        </p:spPr>
+        <p:style>
+          <a:lnRef idx="2">
+            <a:schemeClr val="dk1">
+              <a:shade val="15000"/>
+            </a:schemeClr>
+          </a:lnRef>
+          <a:fillRef idx="1">
+            <a:schemeClr val="dk1"/>
+          </a:fillRef>
+          <a:effectRef idx="0">
+            <a:schemeClr val="dk1"/>
+          </a:effectRef>
+          <a:fontRef idx="minor">
+            <a:schemeClr val="lt1"/>
+          </a:fontRef>
+        </p:style>
+        <p:txBody>
+          <a:bodyPr rtlCol="0" anchor="ctr"/>
+          <a:lstStyle/>
+          <a:p>
+            <a:pPr algn="ctr"/>
+            <a:endParaRPr kumimoji="1" lang="ja-JP" altLang="en-US"/>
+          </a:p>
+        </p:txBody>
+      </p:sp>
+      <p:sp>
+        <p:nvSpPr>
+          <p:cNvPr id="44" name="正方形/長方形 43">
+            <a:extLst>
+              <a:ext uri="{FF2B5EF4-FFF2-40B4-BE49-F238E27FC236}">
+                <a16:creationId xmlns:a16="http://schemas.microsoft.com/office/drawing/2014/main" id="{E749B626-8489-3B5E-6DFD-8946FD309096}"/>
+              </a:ext>
+            </a:extLst>
+          </p:cNvPr>
+          <p:cNvSpPr/>
+          <p:nvPr/>
+        </p:nvSpPr>
+        <p:spPr>
+          <a:xfrm>
+            <a:off x="6304665" y="3551864"/>
+            <a:ext cx="4839967" cy="2475310"/>
+          </a:xfrm>
+          <a:prstGeom prst="rect">
+            <a:avLst/>
+          </a:prstGeom>
+          <a:solidFill>
+            <a:schemeClr val="bg2">
+              <a:lumMod val="75000"/>
+            </a:schemeClr>
+          </a:solidFill>
+        </p:spPr>
+        <p:style>
+          <a:lnRef idx="2">
+            <a:schemeClr val="accent1">
+              <a:shade val="15000"/>
+            </a:schemeClr>
+          </a:lnRef>
+          <a:fillRef idx="1">
+            <a:schemeClr val="accent1"/>
+          </a:fillRef>
+          <a:effectRef idx="0">
+            <a:schemeClr val="accent1"/>
+          </a:effectRef>
+          <a:fontRef idx="minor">
+            <a:schemeClr val="lt1"/>
+          </a:fontRef>
+        </p:style>
+        <p:txBody>
+          <a:bodyPr rtlCol="0" anchor="t"/>
+          <a:lstStyle/>
+          <a:p>
+            <a:pPr algn="ctr"/>
+            <a:endParaRPr kumimoji="1" lang="ja-JP" altLang="en-US" sz="1400" b="1" dirty="0"/>
+          </a:p>
+        </p:txBody>
+      </p:sp>
+      <p:sp>
+        <p:nvSpPr>
+          <p:cNvPr id="45" name="テキスト ボックス 44">
+            <a:extLst>
+              <a:ext uri="{FF2B5EF4-FFF2-40B4-BE49-F238E27FC236}">
+                <a16:creationId xmlns:a16="http://schemas.microsoft.com/office/drawing/2014/main" id="{BFD66191-B6AB-A0E5-0A22-5C22B41C67CE}"/>
+              </a:ext>
+            </a:extLst>
+          </p:cNvPr>
+          <p:cNvSpPr txBox="1"/>
+          <p:nvPr/>
+        </p:nvSpPr>
+        <p:spPr>
+          <a:xfrm>
+            <a:off x="811190" y="679970"/>
+            <a:ext cx="2101857" cy="369332"/>
+          </a:xfrm>
+          <a:prstGeom prst="rect">
+            <a:avLst/>
+          </a:prstGeom>
+          <a:noFill/>
+        </p:spPr>
+        <p:txBody>
+          <a:bodyPr wrap="none" rtlCol="0">
+            <a:spAutoFit/>
+          </a:bodyPr>
+          <a:lstStyle/>
+          <a:p>
+            <a:r>
+              <a:rPr kumimoji="1" lang="en-US" altLang="ja-JP" b="1" dirty="0"/>
+              <a:t>Volume Pressure</a:t>
+            </a:r>
+            <a:endParaRPr kumimoji="1" lang="ja-JP" altLang="en-US" b="1" dirty="0"/>
+          </a:p>
+        </p:txBody>
+      </p:sp>
+      <p:sp>
+        <p:nvSpPr>
+          <p:cNvPr id="46" name="テキスト ボックス 45">
+            <a:extLst>
+              <a:ext uri="{FF2B5EF4-FFF2-40B4-BE49-F238E27FC236}">
+                <a16:creationId xmlns:a16="http://schemas.microsoft.com/office/drawing/2014/main" id="{FB72E4CF-8915-EEDC-4FFE-0F6838585C8E}"/>
+              </a:ext>
+            </a:extLst>
+          </p:cNvPr>
+          <p:cNvSpPr txBox="1"/>
+          <p:nvPr/>
+        </p:nvSpPr>
+        <p:spPr>
+          <a:xfrm>
+            <a:off x="6562443" y="684835"/>
+            <a:ext cx="657552" cy="369332"/>
+          </a:xfrm>
+          <a:prstGeom prst="rect">
+            <a:avLst/>
+          </a:prstGeom>
+          <a:noFill/>
+        </p:spPr>
+        <p:txBody>
+          <a:bodyPr wrap="none" rtlCol="0">
+            <a:spAutoFit/>
+          </a:bodyPr>
+          <a:lstStyle/>
+          <a:p>
+            <a:r>
+              <a:rPr kumimoji="1" lang="en-US" altLang="ja-JP" b="1" dirty="0"/>
+              <a:t>ASR</a:t>
+            </a:r>
+            <a:endParaRPr kumimoji="1" lang="ja-JP" altLang="en-US" b="1" dirty="0"/>
+          </a:p>
+        </p:txBody>
+      </p:sp>
+      <p:sp>
+        <p:nvSpPr>
+          <p:cNvPr id="47" name="テキスト ボックス 46">
+            <a:extLst>
+              <a:ext uri="{FF2B5EF4-FFF2-40B4-BE49-F238E27FC236}">
+                <a16:creationId xmlns:a16="http://schemas.microsoft.com/office/drawing/2014/main" id="{02B43535-9CA8-BD04-146F-EF0006889767}"/>
+              </a:ext>
+            </a:extLst>
+          </p:cNvPr>
+          <p:cNvSpPr txBox="1"/>
+          <p:nvPr/>
+        </p:nvSpPr>
+        <p:spPr>
+          <a:xfrm>
+            <a:off x="3454540" y="1162928"/>
+            <a:ext cx="1463862" cy="369332"/>
+          </a:xfrm>
+          <a:prstGeom prst="rect">
+            <a:avLst/>
+          </a:prstGeom>
+          <a:noFill/>
+        </p:spPr>
+        <p:txBody>
+          <a:bodyPr wrap="none" rtlCol="0">
+            <a:spAutoFit/>
+          </a:bodyPr>
+          <a:lstStyle/>
+          <a:p>
+            <a:r>
+              <a:rPr kumimoji="1" lang="en-US" altLang="ja-JP" b="1" dirty="0"/>
+              <a:t>Confidence</a:t>
+            </a:r>
+            <a:endParaRPr kumimoji="1" lang="ja-JP" altLang="en-US" b="1" dirty="0"/>
+          </a:p>
+        </p:txBody>
+      </p:sp>
+      <p:sp>
+        <p:nvSpPr>
+          <p:cNvPr id="48" name="テキスト ボックス 47">
+            <a:extLst>
+              <a:ext uri="{FF2B5EF4-FFF2-40B4-BE49-F238E27FC236}">
+                <a16:creationId xmlns:a16="http://schemas.microsoft.com/office/drawing/2014/main" id="{CBAF2185-B1F1-2784-B1DB-3C5D3540B0AA}"/>
+              </a:ext>
+            </a:extLst>
+          </p:cNvPr>
+          <p:cNvSpPr txBox="1"/>
+          <p:nvPr/>
+        </p:nvSpPr>
+        <p:spPr>
+          <a:xfrm>
+            <a:off x="7987673" y="1162928"/>
+            <a:ext cx="1268296" cy="369332"/>
+          </a:xfrm>
+          <a:prstGeom prst="rect">
+            <a:avLst/>
+          </a:prstGeom>
+          <a:noFill/>
+        </p:spPr>
+        <p:txBody>
+          <a:bodyPr wrap="none" rtlCol="0">
+            <a:spAutoFit/>
+          </a:bodyPr>
+          <a:lstStyle/>
+          <a:p>
+            <a:r>
+              <a:rPr lang="en-US" altLang="ja-JP" b="1" dirty="0"/>
+              <a:t>Condition</a:t>
+            </a:r>
+            <a:endParaRPr kumimoji="1" lang="ja-JP" altLang="en-US" b="1" dirty="0"/>
+          </a:p>
+        </p:txBody>
+      </p:sp>
+      <p:sp>
+        <p:nvSpPr>
+          <p:cNvPr id="49" name="テキスト ボックス 48">
+            <a:extLst>
+              <a:ext uri="{FF2B5EF4-FFF2-40B4-BE49-F238E27FC236}">
+                <a16:creationId xmlns:a16="http://schemas.microsoft.com/office/drawing/2014/main" id="{757FB00D-1E98-8405-2F3E-98527E56830E}"/>
+              </a:ext>
+            </a:extLst>
+          </p:cNvPr>
+          <p:cNvSpPr txBox="1"/>
+          <p:nvPr/>
+        </p:nvSpPr>
+        <p:spPr>
+          <a:xfrm>
+            <a:off x="5596280" y="1183822"/>
+            <a:ext cx="914033" cy="369332"/>
+          </a:xfrm>
+          <a:prstGeom prst="rect">
+            <a:avLst/>
+          </a:prstGeom>
+          <a:noFill/>
+        </p:spPr>
+        <p:txBody>
+          <a:bodyPr wrap="none" rtlCol="0">
+            <a:spAutoFit/>
+          </a:bodyPr>
+          <a:lstStyle/>
+          <a:p>
+            <a:r>
+              <a:rPr kumimoji="1" lang="en-US" altLang="ja-JP" b="1" dirty="0"/>
+              <a:t>0.8821</a:t>
+            </a:r>
+            <a:endParaRPr kumimoji="1" lang="ja-JP" altLang="en-US" b="1" dirty="0"/>
+          </a:p>
+        </p:txBody>
+      </p:sp>
+      <p:sp>
+        <p:nvSpPr>
+          <p:cNvPr id="50" name="テキスト ボックス 49">
+            <a:extLst>
+              <a:ext uri="{FF2B5EF4-FFF2-40B4-BE49-F238E27FC236}">
+                <a16:creationId xmlns:a16="http://schemas.microsoft.com/office/drawing/2014/main" id="{C1E57655-E7C5-F69D-32E1-A4536E1C5B98}"/>
+              </a:ext>
+            </a:extLst>
+          </p:cNvPr>
+          <p:cNvSpPr txBox="1"/>
+          <p:nvPr/>
+        </p:nvSpPr>
+        <p:spPr>
+          <a:xfrm>
+            <a:off x="9179576" y="1166048"/>
+            <a:ext cx="1661032" cy="369332"/>
+          </a:xfrm>
+          <a:prstGeom prst="rect">
+            <a:avLst/>
+          </a:prstGeom>
+          <a:noFill/>
+        </p:spPr>
+        <p:txBody>
+          <a:bodyPr wrap="none" rtlCol="0">
+            <a:spAutoFit/>
+          </a:bodyPr>
+          <a:lstStyle/>
+          <a:p>
+            <a:r>
+              <a:rPr kumimoji="1" lang="en-US" altLang="ja-JP" b="1" dirty="0"/>
+              <a:t>Final/Interim</a:t>
+            </a:r>
+            <a:endParaRPr kumimoji="1" lang="ja-JP" altLang="en-US" b="1" dirty="0"/>
+          </a:p>
+        </p:txBody>
+      </p:sp>
+      <p:sp>
+        <p:nvSpPr>
+          <p:cNvPr id="51" name="テキスト ボックス 50">
+            <a:extLst>
+              <a:ext uri="{FF2B5EF4-FFF2-40B4-BE49-F238E27FC236}">
+                <a16:creationId xmlns:a16="http://schemas.microsoft.com/office/drawing/2014/main" id="{C0A00338-8B93-7091-C00A-BF35F549DBCB}"/>
+              </a:ext>
+            </a:extLst>
+          </p:cNvPr>
+          <p:cNvSpPr txBox="1"/>
+          <p:nvPr/>
+        </p:nvSpPr>
+        <p:spPr>
+          <a:xfrm>
+            <a:off x="6447027" y="1992231"/>
+            <a:ext cx="1338828" cy="369332"/>
+          </a:xfrm>
+          <a:prstGeom prst="rect">
+            <a:avLst/>
+          </a:prstGeom>
+          <a:noFill/>
+        </p:spPr>
+        <p:txBody>
+          <a:bodyPr wrap="none" rtlCol="0">
+            <a:spAutoFit/>
+          </a:bodyPr>
+          <a:lstStyle/>
+          <a:p>
+            <a:r>
+              <a:rPr kumimoji="1" lang="ja-JP" altLang="en-US" b="1" dirty="0"/>
+              <a:t>こんにちは</a:t>
+            </a:r>
+          </a:p>
+        </p:txBody>
+      </p:sp>
+      <p:sp>
+        <p:nvSpPr>
+          <p:cNvPr id="52" name="テキスト ボックス 51">
+            <a:extLst>
+              <a:ext uri="{FF2B5EF4-FFF2-40B4-BE49-F238E27FC236}">
+                <a16:creationId xmlns:a16="http://schemas.microsoft.com/office/drawing/2014/main" id="{99FD1FEC-759C-17B9-5BCB-AC58A169DFD6}"/>
+              </a:ext>
+            </a:extLst>
+          </p:cNvPr>
+          <p:cNvSpPr txBox="1"/>
+          <p:nvPr/>
+        </p:nvSpPr>
+        <p:spPr>
+          <a:xfrm>
+            <a:off x="8427130" y="3165445"/>
+            <a:ext cx="553357" cy="338554"/>
+          </a:xfrm>
+          <a:prstGeom prst="rect">
+            <a:avLst/>
+          </a:prstGeom>
+          <a:noFill/>
+        </p:spPr>
+        <p:txBody>
+          <a:bodyPr wrap="none" rtlCol="0">
+            <a:spAutoFit/>
+          </a:bodyPr>
+          <a:lstStyle/>
+          <a:p>
+            <a:r>
+              <a:rPr lang="en-US" altLang="ja-JP" sz="1600" b="1" dirty="0"/>
+              <a:t>Log</a:t>
+            </a:r>
+            <a:endParaRPr kumimoji="1" lang="ja-JP" altLang="en-US" sz="1600" b="1" dirty="0"/>
+          </a:p>
+        </p:txBody>
+      </p:sp>
+      <p:sp>
+        <p:nvSpPr>
+          <p:cNvPr id="61" name="正方形/長方形 60">
+            <a:extLst>
+              <a:ext uri="{FF2B5EF4-FFF2-40B4-BE49-F238E27FC236}">
+                <a16:creationId xmlns:a16="http://schemas.microsoft.com/office/drawing/2014/main" id="{415D1827-39E8-17CB-AB2C-247E5B0B863D}"/>
+              </a:ext>
+            </a:extLst>
+          </p:cNvPr>
+          <p:cNvSpPr/>
+          <p:nvPr/>
+        </p:nvSpPr>
+        <p:spPr>
+          <a:xfrm>
+            <a:off x="921430" y="5440907"/>
+            <a:ext cx="4902412" cy="599234"/>
+          </a:xfrm>
+          <a:prstGeom prst="rect">
+            <a:avLst/>
+          </a:prstGeom>
+          <a:solidFill>
+            <a:schemeClr val="bg2">
+              <a:lumMod val="90000"/>
+            </a:schemeClr>
+          </a:solidFill>
+        </p:spPr>
+        <p:style>
+          <a:lnRef idx="2">
+            <a:schemeClr val="accent1">
+              <a:shade val="15000"/>
+            </a:schemeClr>
+          </a:lnRef>
+          <a:fillRef idx="1">
+            <a:schemeClr val="accent1"/>
+          </a:fillRef>
+          <a:effectRef idx="0">
+            <a:schemeClr val="accent1"/>
+          </a:effectRef>
+          <a:fontRef idx="minor">
+            <a:schemeClr val="lt1"/>
+          </a:fontRef>
+        </p:style>
+        <p:txBody>
+          <a:bodyPr rtlCol="0" anchor="ctr"/>
+          <a:lstStyle/>
+          <a:p>
+            <a:pPr algn="ctr"/>
+            <a:endParaRPr kumimoji="1" lang="ja-JP" altLang="en-US" b="1" dirty="0">
+              <a:solidFill>
+                <a:schemeClr val="tx1"/>
+              </a:solidFill>
+            </a:endParaRPr>
+          </a:p>
+        </p:txBody>
+      </p:sp>
+      <p:sp>
+        <p:nvSpPr>
+          <p:cNvPr id="62" name="正方形/長方形 61">
+            <a:extLst>
+              <a:ext uri="{FF2B5EF4-FFF2-40B4-BE49-F238E27FC236}">
+                <a16:creationId xmlns:a16="http://schemas.microsoft.com/office/drawing/2014/main" id="{69ED72CE-58C4-7F11-B8FE-0C0A87D8A5AF}"/>
+              </a:ext>
+            </a:extLst>
+          </p:cNvPr>
+          <p:cNvSpPr/>
+          <p:nvPr/>
+        </p:nvSpPr>
+        <p:spPr>
+          <a:xfrm>
+            <a:off x="3288719" y="5548180"/>
+            <a:ext cx="938364" cy="384688"/>
+          </a:xfrm>
+          <a:prstGeom prst="rect">
+            <a:avLst/>
+          </a:prstGeom>
+          <a:solidFill>
+            <a:schemeClr val="bg2">
+              <a:lumMod val="75000"/>
+            </a:schemeClr>
+          </a:solidFill>
+        </p:spPr>
+        <p:style>
+          <a:lnRef idx="2">
+            <a:schemeClr val="accent1">
+              <a:shade val="15000"/>
+            </a:schemeClr>
+          </a:lnRef>
+          <a:fillRef idx="1">
+            <a:schemeClr val="accent1"/>
+          </a:fillRef>
+          <a:effectRef idx="0">
+            <a:schemeClr val="accent1"/>
+          </a:effectRef>
+          <a:fontRef idx="minor">
+            <a:schemeClr val="lt1"/>
+          </a:fontRef>
+        </p:style>
+        <p:txBody>
+          <a:bodyPr rtlCol="0" anchor="ctr"/>
+          <a:lstStyle/>
+          <a:p>
+            <a:pPr algn="ctr"/>
+            <a:r>
+              <a:rPr kumimoji="1" lang="en-US" altLang="ja-JP" b="1" dirty="0">
+                <a:solidFill>
+                  <a:schemeClr val="tx1"/>
+                </a:solidFill>
+              </a:rPr>
+              <a:t>Start</a:t>
+            </a:r>
+            <a:endParaRPr kumimoji="1" lang="ja-JP" altLang="en-US" b="1" dirty="0">
+              <a:solidFill>
+                <a:schemeClr val="tx1"/>
+              </a:solidFill>
+            </a:endParaRPr>
+          </a:p>
+        </p:txBody>
+      </p:sp>
+      <p:sp>
+        <p:nvSpPr>
+          <p:cNvPr id="63" name="正方形/長方形 62">
+            <a:extLst>
+              <a:ext uri="{FF2B5EF4-FFF2-40B4-BE49-F238E27FC236}">
+                <a16:creationId xmlns:a16="http://schemas.microsoft.com/office/drawing/2014/main" id="{2D002D3D-CA64-C756-068A-6CA5319A7E62}"/>
+              </a:ext>
+            </a:extLst>
+          </p:cNvPr>
+          <p:cNvSpPr/>
+          <p:nvPr/>
+        </p:nvSpPr>
+        <p:spPr>
+          <a:xfrm>
+            <a:off x="4705180" y="5548180"/>
+            <a:ext cx="938364" cy="384688"/>
+          </a:xfrm>
+          <a:prstGeom prst="rect">
+            <a:avLst/>
+          </a:prstGeom>
+          <a:solidFill>
+            <a:schemeClr val="bg2">
+              <a:lumMod val="75000"/>
+            </a:schemeClr>
+          </a:solidFill>
+        </p:spPr>
+        <p:style>
+          <a:lnRef idx="2">
+            <a:schemeClr val="accent1">
+              <a:shade val="15000"/>
+            </a:schemeClr>
+          </a:lnRef>
+          <a:fillRef idx="1">
+            <a:schemeClr val="accent1"/>
+          </a:fillRef>
+          <a:effectRef idx="0">
+            <a:schemeClr val="accent1"/>
+          </a:effectRef>
+          <a:fontRef idx="minor">
+            <a:schemeClr val="lt1"/>
+          </a:fontRef>
+        </p:style>
+        <p:txBody>
+          <a:bodyPr rtlCol="0" anchor="ctr"/>
+          <a:lstStyle/>
+          <a:p>
+            <a:pPr algn="ctr"/>
+            <a:r>
+              <a:rPr lang="en-US" altLang="ja-JP" b="1" dirty="0">
+                <a:solidFill>
+                  <a:schemeClr val="tx1"/>
+                </a:solidFill>
+              </a:rPr>
+              <a:t>Stop</a:t>
+            </a:r>
+            <a:endParaRPr kumimoji="1" lang="ja-JP" altLang="en-US" b="1" dirty="0">
+              <a:solidFill>
+                <a:schemeClr val="tx1"/>
+              </a:solidFill>
+            </a:endParaRPr>
+          </a:p>
+        </p:txBody>
+      </p:sp>
+      <p:sp>
+        <p:nvSpPr>
+          <p:cNvPr id="64" name="テキスト ボックス 63">
+            <a:extLst>
+              <a:ext uri="{FF2B5EF4-FFF2-40B4-BE49-F238E27FC236}">
+                <a16:creationId xmlns:a16="http://schemas.microsoft.com/office/drawing/2014/main" id="{780F8ED5-8D66-7EDA-1ECA-333993ECA5DC}"/>
+              </a:ext>
+            </a:extLst>
+          </p:cNvPr>
+          <p:cNvSpPr txBox="1"/>
+          <p:nvPr/>
+        </p:nvSpPr>
+        <p:spPr>
+          <a:xfrm>
+            <a:off x="987637" y="5574498"/>
+            <a:ext cx="2238113" cy="369332"/>
+          </a:xfrm>
+          <a:prstGeom prst="rect">
+            <a:avLst/>
+          </a:prstGeom>
+          <a:noFill/>
+        </p:spPr>
+        <p:txBody>
+          <a:bodyPr wrap="none" rtlCol="0">
+            <a:spAutoFit/>
+          </a:bodyPr>
+          <a:lstStyle/>
+          <a:p>
+            <a:r>
+              <a:rPr lang="en-US" altLang="ja-JP" b="1" dirty="0"/>
+              <a:t>WebSocket Server</a:t>
+            </a:r>
+            <a:endParaRPr kumimoji="1" lang="ja-JP" altLang="en-US" b="1" dirty="0"/>
+          </a:p>
+        </p:txBody>
+      </p:sp>
+      <p:sp>
+        <p:nvSpPr>
+          <p:cNvPr id="65" name="正方形/長方形 64">
+            <a:extLst>
+              <a:ext uri="{FF2B5EF4-FFF2-40B4-BE49-F238E27FC236}">
+                <a16:creationId xmlns:a16="http://schemas.microsoft.com/office/drawing/2014/main" id="{EF3FA7D0-F39C-414A-55EF-1A67F4253846}"/>
+              </a:ext>
+            </a:extLst>
+          </p:cNvPr>
+          <p:cNvSpPr/>
+          <p:nvPr/>
+        </p:nvSpPr>
+        <p:spPr>
+          <a:xfrm>
+            <a:off x="921430" y="4676395"/>
+            <a:ext cx="4902412" cy="599234"/>
+          </a:xfrm>
+          <a:prstGeom prst="rect">
+            <a:avLst/>
+          </a:prstGeom>
+          <a:solidFill>
+            <a:schemeClr val="bg2">
+              <a:lumMod val="90000"/>
+            </a:schemeClr>
+          </a:solidFill>
+        </p:spPr>
+        <p:style>
+          <a:lnRef idx="2">
+            <a:schemeClr val="accent1">
+              <a:shade val="15000"/>
+            </a:schemeClr>
+          </a:lnRef>
+          <a:fillRef idx="1">
+            <a:schemeClr val="accent1"/>
+          </a:fillRef>
+          <a:effectRef idx="0">
+            <a:schemeClr val="accent1"/>
+          </a:effectRef>
+          <a:fontRef idx="minor">
+            <a:schemeClr val="lt1"/>
+          </a:fontRef>
+        </p:style>
+        <p:txBody>
+          <a:bodyPr rtlCol="0" anchor="ctr"/>
+          <a:lstStyle/>
+          <a:p>
+            <a:pPr algn="ctr"/>
+            <a:endParaRPr kumimoji="1" lang="ja-JP" altLang="en-US" b="1" dirty="0">
+              <a:solidFill>
+                <a:schemeClr val="tx1"/>
+              </a:solidFill>
+            </a:endParaRPr>
+          </a:p>
+        </p:txBody>
+      </p:sp>
+      <p:sp>
+        <p:nvSpPr>
+          <p:cNvPr id="66" name="正方形/長方形 65">
+            <a:extLst>
+              <a:ext uri="{FF2B5EF4-FFF2-40B4-BE49-F238E27FC236}">
+                <a16:creationId xmlns:a16="http://schemas.microsoft.com/office/drawing/2014/main" id="{934F8A5F-B1A3-33C2-82D8-871DD6DB4301}"/>
+              </a:ext>
+            </a:extLst>
+          </p:cNvPr>
+          <p:cNvSpPr/>
+          <p:nvPr/>
+        </p:nvSpPr>
+        <p:spPr>
+          <a:xfrm>
+            <a:off x="3288719" y="4793779"/>
+            <a:ext cx="938364" cy="384688"/>
+          </a:xfrm>
+          <a:prstGeom prst="rect">
+            <a:avLst/>
+          </a:prstGeom>
+          <a:solidFill>
+            <a:schemeClr val="bg2">
+              <a:lumMod val="75000"/>
+            </a:schemeClr>
+          </a:solidFill>
+        </p:spPr>
+        <p:style>
+          <a:lnRef idx="2">
+            <a:schemeClr val="accent1">
+              <a:shade val="15000"/>
+            </a:schemeClr>
+          </a:lnRef>
+          <a:fillRef idx="1">
+            <a:schemeClr val="accent1"/>
+          </a:fillRef>
+          <a:effectRef idx="0">
+            <a:schemeClr val="accent1"/>
+          </a:effectRef>
+          <a:fontRef idx="minor">
+            <a:schemeClr val="lt1"/>
+          </a:fontRef>
+        </p:style>
+        <p:txBody>
+          <a:bodyPr rtlCol="0" anchor="ctr"/>
+          <a:lstStyle/>
+          <a:p>
+            <a:pPr algn="ctr"/>
+            <a:r>
+              <a:rPr lang="en-US" altLang="ja-JP" b="1" dirty="0">
+                <a:solidFill>
+                  <a:schemeClr val="tx1"/>
+                </a:solidFill>
+              </a:rPr>
+              <a:t>Start</a:t>
+            </a:r>
+            <a:endParaRPr kumimoji="1" lang="ja-JP" altLang="en-US" b="1" dirty="0">
+              <a:solidFill>
+                <a:schemeClr val="tx1"/>
+              </a:solidFill>
+            </a:endParaRPr>
+          </a:p>
+        </p:txBody>
+      </p:sp>
+      <p:sp>
+        <p:nvSpPr>
+          <p:cNvPr id="67" name="正方形/長方形 66">
+            <a:extLst>
+              <a:ext uri="{FF2B5EF4-FFF2-40B4-BE49-F238E27FC236}">
+                <a16:creationId xmlns:a16="http://schemas.microsoft.com/office/drawing/2014/main" id="{0D7BBF7B-A8E0-82BF-4ACD-B6F131D959D5}"/>
+              </a:ext>
+            </a:extLst>
+          </p:cNvPr>
+          <p:cNvSpPr/>
+          <p:nvPr/>
+        </p:nvSpPr>
+        <p:spPr>
+          <a:xfrm>
+            <a:off x="4694656" y="4791941"/>
+            <a:ext cx="938364" cy="384688"/>
+          </a:xfrm>
+          <a:prstGeom prst="rect">
+            <a:avLst/>
+          </a:prstGeom>
+          <a:solidFill>
+            <a:schemeClr val="bg2">
+              <a:lumMod val="75000"/>
+            </a:schemeClr>
+          </a:solidFill>
+        </p:spPr>
+        <p:style>
+          <a:lnRef idx="2">
+            <a:schemeClr val="accent1">
+              <a:shade val="15000"/>
+            </a:schemeClr>
+          </a:lnRef>
+          <a:fillRef idx="1">
+            <a:schemeClr val="accent1"/>
+          </a:fillRef>
+          <a:effectRef idx="0">
+            <a:schemeClr val="accent1"/>
+          </a:effectRef>
+          <a:fontRef idx="minor">
+            <a:schemeClr val="lt1"/>
+          </a:fontRef>
+        </p:style>
+        <p:txBody>
+          <a:bodyPr rtlCol="0" anchor="ctr"/>
+          <a:lstStyle/>
+          <a:p>
+            <a:pPr algn="ctr"/>
+            <a:r>
+              <a:rPr lang="en-US" altLang="ja-JP" b="1" dirty="0">
+                <a:solidFill>
+                  <a:schemeClr val="tx1"/>
+                </a:solidFill>
+              </a:rPr>
+              <a:t>Stop</a:t>
+            </a:r>
+            <a:endParaRPr kumimoji="1" lang="ja-JP" altLang="en-US" b="1" dirty="0">
+              <a:solidFill>
+                <a:schemeClr val="tx1"/>
+              </a:solidFill>
+            </a:endParaRPr>
+          </a:p>
+        </p:txBody>
+      </p:sp>
+      <p:sp>
+        <p:nvSpPr>
+          <p:cNvPr id="69" name="正方形/長方形 68">
+            <a:extLst>
+              <a:ext uri="{FF2B5EF4-FFF2-40B4-BE49-F238E27FC236}">
+                <a16:creationId xmlns:a16="http://schemas.microsoft.com/office/drawing/2014/main" id="{A3C52F67-0DC8-B202-940B-F53E94F5C16D}"/>
+              </a:ext>
+            </a:extLst>
+          </p:cNvPr>
+          <p:cNvSpPr/>
+          <p:nvPr/>
+        </p:nvSpPr>
+        <p:spPr>
+          <a:xfrm>
+            <a:off x="921430" y="3892701"/>
+            <a:ext cx="4902412" cy="599234"/>
+          </a:xfrm>
+          <a:prstGeom prst="rect">
+            <a:avLst/>
+          </a:prstGeom>
+          <a:solidFill>
+            <a:schemeClr val="bg2">
+              <a:lumMod val="90000"/>
+            </a:schemeClr>
+          </a:solidFill>
+        </p:spPr>
+        <p:style>
+          <a:lnRef idx="2">
+            <a:schemeClr val="accent1">
+              <a:shade val="15000"/>
+            </a:schemeClr>
+          </a:lnRef>
+          <a:fillRef idx="1">
+            <a:schemeClr val="accent1"/>
+          </a:fillRef>
+          <a:effectRef idx="0">
+            <a:schemeClr val="accent1"/>
+          </a:effectRef>
+          <a:fontRef idx="minor">
+            <a:schemeClr val="lt1"/>
+          </a:fontRef>
+        </p:style>
+        <p:txBody>
+          <a:bodyPr rtlCol="0" anchor="ctr"/>
+          <a:lstStyle/>
+          <a:p>
+            <a:pPr algn="ctr"/>
+            <a:endParaRPr kumimoji="1" lang="ja-JP" altLang="en-US" b="1" dirty="0">
+              <a:solidFill>
+                <a:schemeClr val="tx1"/>
+              </a:solidFill>
+            </a:endParaRPr>
+          </a:p>
+        </p:txBody>
+      </p:sp>
+      <p:sp>
+        <p:nvSpPr>
+          <p:cNvPr id="70" name="正方形/長方形 69">
+            <a:extLst>
+              <a:ext uri="{FF2B5EF4-FFF2-40B4-BE49-F238E27FC236}">
+                <a16:creationId xmlns:a16="http://schemas.microsoft.com/office/drawing/2014/main" id="{960C342A-B285-FC4D-8BAE-7B0A68871C9D}"/>
+              </a:ext>
+            </a:extLst>
+          </p:cNvPr>
+          <p:cNvSpPr/>
+          <p:nvPr/>
+        </p:nvSpPr>
+        <p:spPr>
+          <a:xfrm>
+            <a:off x="3288719" y="3989557"/>
+            <a:ext cx="938364" cy="384688"/>
+          </a:xfrm>
+          <a:prstGeom prst="rect">
+            <a:avLst/>
+          </a:prstGeom>
+          <a:solidFill>
+            <a:schemeClr val="bg2">
+              <a:lumMod val="75000"/>
+            </a:schemeClr>
+          </a:solidFill>
+        </p:spPr>
+        <p:style>
+          <a:lnRef idx="2">
+            <a:schemeClr val="accent1">
+              <a:shade val="15000"/>
+            </a:schemeClr>
+          </a:lnRef>
+          <a:fillRef idx="1">
+            <a:schemeClr val="accent1"/>
+          </a:fillRef>
+          <a:effectRef idx="0">
+            <a:schemeClr val="accent1"/>
+          </a:effectRef>
+          <a:fontRef idx="minor">
+            <a:schemeClr val="lt1"/>
+          </a:fontRef>
+        </p:style>
+        <p:txBody>
+          <a:bodyPr rtlCol="0" anchor="ctr"/>
+          <a:lstStyle/>
+          <a:p>
+            <a:pPr algn="ctr"/>
+            <a:r>
+              <a:rPr lang="en-US" altLang="ja-JP" b="1" dirty="0">
+                <a:solidFill>
+                  <a:schemeClr val="tx1"/>
+                </a:solidFill>
+              </a:rPr>
+              <a:t>Start</a:t>
+            </a:r>
+            <a:endParaRPr kumimoji="1" lang="ja-JP" altLang="en-US" b="1" dirty="0">
+              <a:solidFill>
+                <a:schemeClr val="tx1"/>
+              </a:solidFill>
+            </a:endParaRPr>
+          </a:p>
+        </p:txBody>
+      </p:sp>
+      <p:sp>
+        <p:nvSpPr>
+          <p:cNvPr id="71" name="正方形/長方形 70">
+            <a:extLst>
+              <a:ext uri="{FF2B5EF4-FFF2-40B4-BE49-F238E27FC236}">
+                <a16:creationId xmlns:a16="http://schemas.microsoft.com/office/drawing/2014/main" id="{FD99B9AA-56F3-302F-B3E6-2CA3712C92AB}"/>
+              </a:ext>
+            </a:extLst>
+          </p:cNvPr>
+          <p:cNvSpPr/>
+          <p:nvPr/>
+        </p:nvSpPr>
+        <p:spPr>
+          <a:xfrm>
+            <a:off x="4694656" y="3989557"/>
+            <a:ext cx="938364" cy="384688"/>
+          </a:xfrm>
+          <a:prstGeom prst="rect">
+            <a:avLst/>
+          </a:prstGeom>
+          <a:solidFill>
+            <a:schemeClr val="bg2">
+              <a:lumMod val="75000"/>
+            </a:schemeClr>
+          </a:solidFill>
+        </p:spPr>
+        <p:style>
+          <a:lnRef idx="2">
+            <a:schemeClr val="accent1">
+              <a:shade val="15000"/>
+            </a:schemeClr>
+          </a:lnRef>
+          <a:fillRef idx="1">
+            <a:schemeClr val="accent1"/>
+          </a:fillRef>
+          <a:effectRef idx="0">
+            <a:schemeClr val="accent1"/>
+          </a:effectRef>
+          <a:fontRef idx="minor">
+            <a:schemeClr val="lt1"/>
+          </a:fontRef>
+        </p:style>
+        <p:txBody>
+          <a:bodyPr rtlCol="0" anchor="ctr"/>
+          <a:lstStyle/>
+          <a:p>
+            <a:pPr algn="ctr"/>
+            <a:r>
+              <a:rPr lang="en-US" altLang="ja-JP" b="1" dirty="0">
+                <a:solidFill>
+                  <a:schemeClr val="tx1"/>
+                </a:solidFill>
+              </a:rPr>
+              <a:t>Stop</a:t>
+            </a:r>
+            <a:endParaRPr kumimoji="1" lang="ja-JP" altLang="en-US" b="1" dirty="0">
+              <a:solidFill>
+                <a:schemeClr val="tx1"/>
+              </a:solidFill>
+            </a:endParaRPr>
+          </a:p>
+        </p:txBody>
+      </p:sp>
+      <p:sp>
+        <p:nvSpPr>
+          <p:cNvPr id="60" name="テキスト ボックス 59">
+            <a:extLst>
+              <a:ext uri="{FF2B5EF4-FFF2-40B4-BE49-F238E27FC236}">
+                <a16:creationId xmlns:a16="http://schemas.microsoft.com/office/drawing/2014/main" id="{22234097-DB97-D571-636C-2A0DAC2D6386}"/>
+              </a:ext>
+            </a:extLst>
+          </p:cNvPr>
+          <p:cNvSpPr txBox="1"/>
+          <p:nvPr/>
+        </p:nvSpPr>
+        <p:spPr>
+          <a:xfrm>
+            <a:off x="1495338" y="4019176"/>
+            <a:ext cx="657552" cy="369332"/>
+          </a:xfrm>
+          <a:prstGeom prst="rect">
+            <a:avLst/>
+          </a:prstGeom>
+          <a:noFill/>
+        </p:spPr>
+        <p:txBody>
+          <a:bodyPr wrap="none" rtlCol="0">
+            <a:spAutoFit/>
+          </a:bodyPr>
+          <a:lstStyle/>
+          <a:p>
+            <a:r>
+              <a:rPr lang="en-US" altLang="ja-JP" b="1" dirty="0"/>
+              <a:t>ASR</a:t>
+            </a:r>
+            <a:endParaRPr kumimoji="1" lang="ja-JP" altLang="en-US" b="1" dirty="0"/>
+          </a:p>
+        </p:txBody>
+      </p:sp>
+      <p:sp>
+        <p:nvSpPr>
+          <p:cNvPr id="56" name="テキスト ボックス 55">
+            <a:extLst>
+              <a:ext uri="{FF2B5EF4-FFF2-40B4-BE49-F238E27FC236}">
+                <a16:creationId xmlns:a16="http://schemas.microsoft.com/office/drawing/2014/main" id="{00D6D692-4E43-596D-F1D5-A0CD98A31CE9}"/>
+              </a:ext>
+            </a:extLst>
+          </p:cNvPr>
+          <p:cNvSpPr txBox="1"/>
+          <p:nvPr/>
+        </p:nvSpPr>
+        <p:spPr>
+          <a:xfrm>
+            <a:off x="1047368" y="4784609"/>
+            <a:ext cx="2101857" cy="369332"/>
+          </a:xfrm>
+          <a:prstGeom prst="rect">
+            <a:avLst/>
+          </a:prstGeom>
+          <a:noFill/>
+        </p:spPr>
+        <p:txBody>
+          <a:bodyPr wrap="none" rtlCol="0">
+            <a:spAutoFit/>
+          </a:bodyPr>
+          <a:lstStyle/>
+          <a:p>
+            <a:r>
+              <a:rPr kumimoji="1" lang="en-US" altLang="ja-JP" b="1" dirty="0"/>
+              <a:t>Volume Pressure</a:t>
+            </a:r>
+            <a:endParaRPr kumimoji="1" lang="ja-JP" altLang="en-US" b="1" dirty="0"/>
+          </a:p>
+        </p:txBody>
+      </p:sp>
+      <p:sp>
+        <p:nvSpPr>
+          <p:cNvPr id="73" name="テキスト ボックス 72">
+            <a:extLst>
+              <a:ext uri="{FF2B5EF4-FFF2-40B4-BE49-F238E27FC236}">
+                <a16:creationId xmlns:a16="http://schemas.microsoft.com/office/drawing/2014/main" id="{3E137206-C15C-0605-52A8-37FBDA8DF4F6}"/>
+              </a:ext>
+            </a:extLst>
+          </p:cNvPr>
+          <p:cNvSpPr txBox="1"/>
+          <p:nvPr/>
+        </p:nvSpPr>
+        <p:spPr>
+          <a:xfrm>
+            <a:off x="2783640" y="3246473"/>
+            <a:ext cx="1176925" cy="369332"/>
+          </a:xfrm>
+          <a:prstGeom prst="rect">
+            <a:avLst/>
+          </a:prstGeom>
+          <a:noFill/>
+        </p:spPr>
+        <p:txBody>
+          <a:bodyPr wrap="none" rtlCol="0">
+            <a:spAutoFit/>
+          </a:bodyPr>
+          <a:lstStyle/>
+          <a:p>
+            <a:r>
+              <a:rPr kumimoji="1" lang="en-US" altLang="ja-JP" b="1" dirty="0"/>
+              <a:t>Manager</a:t>
+            </a:r>
+            <a:endParaRPr kumimoji="1" lang="ja-JP" altLang="en-US" b="1" dirty="0"/>
+          </a:p>
+        </p:txBody>
+      </p:sp>
+    </p:spTree>
+    <p:extLst>
+      <p:ext uri="{BB962C8B-B14F-4D97-AF65-F5344CB8AC3E}">
+        <p14:creationId xmlns:p14="http://schemas.microsoft.com/office/powerpoint/2010/main" val="2317362270"/>
       </p:ext>
     </p:extLst>
   </p:cSld>

--- a/設計図.pptx
+++ b/設計図.pptx
@@ -4481,7 +4481,7 @@
         </p:blipFill>
         <p:spPr>
           <a:xfrm>
-            <a:off x="879869" y="1500276"/>
+            <a:off x="879869" y="1333127"/>
             <a:ext cx="1135626" cy="1135626"/>
           </a:xfrm>
           <a:prstGeom prst="rect">
@@ -4503,7 +4503,7 @@
         </p:nvSpPr>
         <p:spPr>
           <a:xfrm>
-            <a:off x="2146235" y="1913235"/>
+            <a:off x="2146235" y="1746086"/>
             <a:ext cx="471948" cy="707923"/>
           </a:xfrm>
           <a:prstGeom prst="rect">
@@ -4554,7 +4554,7 @@
         </p:nvSpPr>
         <p:spPr>
           <a:xfrm>
-            <a:off x="2146235" y="1505581"/>
+            <a:off x="2146235" y="1338432"/>
             <a:ext cx="471948" cy="356032"/>
           </a:xfrm>
           <a:prstGeom prst="rect">
@@ -4605,7 +4605,7 @@
         </p:nvSpPr>
         <p:spPr>
           <a:xfrm>
-            <a:off x="2146235" y="1224969"/>
+            <a:off x="2146235" y="1057820"/>
             <a:ext cx="471948" cy="243348"/>
           </a:xfrm>
           <a:prstGeom prst="rect">
@@ -4960,7 +4960,7 @@
         </p:nvSpPr>
         <p:spPr>
           <a:xfrm>
-            <a:off x="2170201" y="2353229"/>
+            <a:off x="2170201" y="2186080"/>
             <a:ext cx="424015" cy="257481"/>
           </a:xfrm>
           <a:prstGeom prst="rect">
@@ -5006,7 +5006,7 @@
         </p:nvSpPr>
         <p:spPr>
           <a:xfrm>
-            <a:off x="2170201" y="2149210"/>
+            <a:off x="2170201" y="1982061"/>
             <a:ext cx="424015" cy="143028"/>
           </a:xfrm>
           <a:prstGeom prst="rect">
@@ -5052,7 +5052,7 @@
         </p:nvSpPr>
         <p:spPr>
           <a:xfrm>
-            <a:off x="2163442" y="1283502"/>
+            <a:off x="2163442" y="1116353"/>
             <a:ext cx="430774" cy="127051"/>
           </a:xfrm>
           <a:prstGeom prst="rect">
@@ -5098,7 +5098,7 @@
         </p:nvSpPr>
         <p:spPr>
           <a:xfrm>
-            <a:off x="2166823" y="1692927"/>
+            <a:off x="2166823" y="1525778"/>
             <a:ext cx="430774" cy="127051"/>
           </a:xfrm>
           <a:prstGeom prst="rect">
@@ -5144,7 +5144,7 @@
         </p:nvSpPr>
         <p:spPr>
           <a:xfrm>
-            <a:off x="2163442" y="1964010"/>
+            <a:off x="2163442" y="1796861"/>
             <a:ext cx="430774" cy="127051"/>
           </a:xfrm>
           <a:prstGeom prst="rect">
@@ -5190,7 +5190,7 @@
         </p:nvSpPr>
         <p:spPr>
           <a:xfrm>
-            <a:off x="2169895" y="1535380"/>
+            <a:off x="2169895" y="1368231"/>
             <a:ext cx="430774" cy="127051"/>
           </a:xfrm>
           <a:prstGeom prst="rect">
@@ -5574,8 +5574,8 @@
         </p:nvSpPr>
         <p:spPr>
           <a:xfrm>
-            <a:off x="921430" y="5440907"/>
-            <a:ext cx="4902412" cy="599234"/>
+            <a:off x="921430" y="5128480"/>
+            <a:ext cx="4902412" cy="898694"/>
           </a:xfrm>
           <a:prstGeom prst="rect">
             <a:avLst/>
@@ -5629,7 +5629,7 @@
         </p:nvSpPr>
         <p:spPr>
           <a:xfrm>
-            <a:off x="3288719" y="5548180"/>
+            <a:off x="3288719" y="5537501"/>
             <a:ext cx="938364" cy="384688"/>
           </a:xfrm>
           <a:prstGeom prst="rect">
@@ -5692,7 +5692,7 @@
         </p:nvSpPr>
         <p:spPr>
           <a:xfrm>
-            <a:off x="4705180" y="5548180"/>
+            <a:off x="4687878" y="5530957"/>
             <a:ext cx="938364" cy="384688"/>
           </a:xfrm>
           <a:prstGeom prst="rect">
@@ -5755,7 +5755,7 @@
         </p:nvSpPr>
         <p:spPr>
           <a:xfrm>
-            <a:off x="987637" y="5574498"/>
+            <a:off x="987637" y="5262071"/>
             <a:ext cx="2238113" cy="369332"/>
           </a:xfrm>
           <a:prstGeom prst="rect">
@@ -5791,7 +5791,7 @@
         </p:nvSpPr>
         <p:spPr>
           <a:xfrm>
-            <a:off x="921430" y="4676395"/>
+            <a:off x="921430" y="4363968"/>
             <a:ext cx="4902412" cy="599234"/>
           </a:xfrm>
           <a:prstGeom prst="rect">
@@ -5846,7 +5846,7 @@
         </p:nvSpPr>
         <p:spPr>
           <a:xfrm>
-            <a:off x="3288719" y="4793779"/>
+            <a:off x="3288719" y="4481352"/>
             <a:ext cx="938364" cy="384688"/>
           </a:xfrm>
           <a:prstGeom prst="rect">
@@ -5909,7 +5909,7 @@
         </p:nvSpPr>
         <p:spPr>
           <a:xfrm>
-            <a:off x="4694656" y="4791941"/>
+            <a:off x="4694656" y="4479514"/>
             <a:ext cx="938364" cy="384688"/>
           </a:xfrm>
           <a:prstGeom prst="rect">
@@ -5972,7 +5972,7 @@
         </p:nvSpPr>
         <p:spPr>
           <a:xfrm>
-            <a:off x="921430" y="3892701"/>
+            <a:off x="921430" y="3580274"/>
             <a:ext cx="4902412" cy="599234"/>
           </a:xfrm>
           <a:prstGeom prst="rect">
@@ -6027,7 +6027,7 @@
         </p:nvSpPr>
         <p:spPr>
           <a:xfrm>
-            <a:off x="3288719" y="3989557"/>
+            <a:off x="3288719" y="3677130"/>
             <a:ext cx="938364" cy="384688"/>
           </a:xfrm>
           <a:prstGeom prst="rect">
@@ -6090,7 +6090,7 @@
         </p:nvSpPr>
         <p:spPr>
           <a:xfrm>
-            <a:off x="4694656" y="3989557"/>
+            <a:off x="4694656" y="3677130"/>
             <a:ext cx="938364" cy="384688"/>
           </a:xfrm>
           <a:prstGeom prst="rect">
@@ -6153,7 +6153,7 @@
         </p:nvSpPr>
         <p:spPr>
           <a:xfrm>
-            <a:off x="1495338" y="4019176"/>
+            <a:off x="1495338" y="3706749"/>
             <a:ext cx="657552" cy="369332"/>
           </a:xfrm>
           <a:prstGeom prst="rect">
@@ -6189,7 +6189,7 @@
         </p:nvSpPr>
         <p:spPr>
           <a:xfrm>
-            <a:off x="1047368" y="4784609"/>
+            <a:off x="1047368" y="4472182"/>
             <a:ext cx="2101857" cy="369332"/>
           </a:xfrm>
           <a:prstGeom prst="rect">
@@ -6242,6 +6242,78 @@
             <a:r>
               <a:rPr kumimoji="1" lang="en-US" altLang="ja-JP" b="1" dirty="0"/>
               <a:t>Manager</a:t>
+            </a:r>
+            <a:endParaRPr kumimoji="1" lang="ja-JP" altLang="en-US" b="1" dirty="0"/>
+          </a:p>
+        </p:txBody>
+      </p:sp>
+      <p:sp>
+        <p:nvSpPr>
+          <p:cNvPr id="74" name="テキスト ボックス 73">
+            <a:extLst>
+              <a:ext uri="{FF2B5EF4-FFF2-40B4-BE49-F238E27FC236}">
+                <a16:creationId xmlns:a16="http://schemas.microsoft.com/office/drawing/2014/main" id="{92D623CF-4F04-EA0B-78C2-BBD05BD74DE2}"/>
+              </a:ext>
+            </a:extLst>
+          </p:cNvPr>
+          <p:cNvSpPr txBox="1"/>
+          <p:nvPr/>
+        </p:nvSpPr>
+        <p:spPr>
+          <a:xfrm>
+            <a:off x="3365244" y="5129767"/>
+            <a:ext cx="659155" cy="369332"/>
+          </a:xfrm>
+          <a:prstGeom prst="rect">
+            <a:avLst/>
+          </a:prstGeom>
+          <a:noFill/>
+        </p:spPr>
+        <p:txBody>
+          <a:bodyPr wrap="none" rtlCol="0">
+            <a:spAutoFit/>
+          </a:bodyPr>
+          <a:lstStyle/>
+          <a:p>
+            <a:r>
+              <a:rPr lang="en-US" altLang="ja-JP" b="1" dirty="0"/>
+              <a:t>Port</a:t>
+            </a:r>
+            <a:endParaRPr kumimoji="1" lang="ja-JP" altLang="en-US" b="1" dirty="0"/>
+          </a:p>
+        </p:txBody>
+      </p:sp>
+      <p:sp>
+        <p:nvSpPr>
+          <p:cNvPr id="75" name="テキスト ボックス 74">
+            <a:extLst>
+              <a:ext uri="{FF2B5EF4-FFF2-40B4-BE49-F238E27FC236}">
+                <a16:creationId xmlns:a16="http://schemas.microsoft.com/office/drawing/2014/main" id="{BE865AB3-F4DB-4ACC-F17F-441001B88096}"/>
+              </a:ext>
+            </a:extLst>
+          </p:cNvPr>
+          <p:cNvSpPr txBox="1"/>
+          <p:nvPr/>
+        </p:nvSpPr>
+        <p:spPr>
+          <a:xfrm>
+            <a:off x="1466015" y="2576208"/>
+            <a:ext cx="792205" cy="369332"/>
+          </a:xfrm>
+          <a:prstGeom prst="rect">
+            <a:avLst/>
+          </a:prstGeom>
+          <a:noFill/>
+        </p:spPr>
+        <p:txBody>
+          <a:bodyPr wrap="none" rtlCol="0">
+            <a:spAutoFit/>
+          </a:bodyPr>
+          <a:lstStyle/>
+          <a:p>
+            <a:r>
+              <a:rPr kumimoji="1" lang="en-US" altLang="ja-JP" b="1" dirty="0"/>
+              <a:t>55DB</a:t>
             </a:r>
             <a:endParaRPr kumimoji="1" lang="ja-JP" altLang="en-US" b="1" dirty="0"/>
           </a:p>
